--- a/RMS presentation.pptx
+++ b/RMS presentation.pptx
@@ -8,20 +8,17 @@
     <p:sldId id="256" r:id="rId2"/>
     <p:sldId id="257" r:id="rId3"/>
     <p:sldId id="258" r:id="rId4"/>
-    <p:sldId id="260" r:id="rId5"/>
-    <p:sldId id="261" r:id="rId6"/>
-    <p:sldId id="259" r:id="rId7"/>
-    <p:sldId id="262" r:id="rId8"/>
-    <p:sldId id="263" r:id="rId9"/>
-    <p:sldId id="264" r:id="rId10"/>
-    <p:sldId id="266" r:id="rId11"/>
-    <p:sldId id="267" r:id="rId12"/>
-    <p:sldId id="268" r:id="rId13"/>
-    <p:sldId id="269" r:id="rId14"/>
-    <p:sldId id="271" r:id="rId15"/>
-    <p:sldId id="270" r:id="rId16"/>
-    <p:sldId id="272" r:id="rId17"/>
-    <p:sldId id="273" r:id="rId18"/>
+    <p:sldId id="259" r:id="rId5"/>
+    <p:sldId id="262" r:id="rId6"/>
+    <p:sldId id="264" r:id="rId7"/>
+    <p:sldId id="266" r:id="rId8"/>
+    <p:sldId id="267" r:id="rId9"/>
+    <p:sldId id="268" r:id="rId10"/>
+    <p:sldId id="269" r:id="rId11"/>
+    <p:sldId id="271" r:id="rId12"/>
+    <p:sldId id="270" r:id="rId13"/>
+    <p:sldId id="272" r:id="rId14"/>
+    <p:sldId id="273" r:id="rId15"/>
   </p:sldIdLst>
   <p:sldSz cx="12192000" cy="6858000"/>
   <p:notesSz cx="6858000" cy="9144000"/>
@@ -3790,6 +3787,2062 @@
           <p:cNvPr id="2" name="Title 1">
             <a:extLst>
               <a:ext uri="{FF2B5EF4-FFF2-40B4-BE49-F238E27FC236}">
+                <a16:creationId xmlns:a16="http://schemas.microsoft.com/office/drawing/2014/main" id="{BC33369D-709D-00C4-E805-1109254D3109}"/>
+              </a:ext>
+            </a:extLst>
+          </p:cNvPr>
+          <p:cNvSpPr>
+            <a:spLocks noGrp="1"/>
+          </p:cNvSpPr>
+          <p:nvPr>
+            <p:ph type="title"/>
+          </p:nvPr>
+        </p:nvSpPr>
+        <p:spPr/>
+        <p:txBody>
+          <a:bodyPr/>
+          <a:lstStyle/>
+          <a:p>
+            <a:r>
+              <a:rPr lang="en-US" dirty="0"/>
+              <a:t>implementation</a:t>
+            </a:r>
+          </a:p>
+        </p:txBody>
+      </p:sp>
+      <p:sp>
+        <p:nvSpPr>
+          <p:cNvPr id="3" name="Content Placeholder 2">
+            <a:extLst>
+              <a:ext uri="{FF2B5EF4-FFF2-40B4-BE49-F238E27FC236}">
+                <a16:creationId xmlns:a16="http://schemas.microsoft.com/office/drawing/2014/main" id="{8BF983A5-DA14-8F6A-A1B1-A81A46EDF95C}"/>
+              </a:ext>
+            </a:extLst>
+          </p:cNvPr>
+          <p:cNvSpPr>
+            <a:spLocks noGrp="1"/>
+          </p:cNvSpPr>
+          <p:nvPr>
+            <p:ph idx="1"/>
+          </p:nvPr>
+        </p:nvSpPr>
+        <p:spPr/>
+        <p:txBody>
+          <a:bodyPr/>
+          <a:lstStyle/>
+          <a:p>
+            <a:r>
+              <a:rPr lang="en-US" sz="2400" dirty="0"/>
+              <a:t>Hardware Requirement</a:t>
+            </a:r>
+          </a:p>
+          <a:p>
+            <a:pPr marL="800100" lvl="1" indent="-342900">
+              <a:lnSpc>
+                <a:spcPct val="115000"/>
+              </a:lnSpc>
+              <a:spcBef>
+                <a:spcPts val="0"/>
+              </a:spcBef>
+              <a:buFont typeface="Symbol" panose="05050102010706020507" pitchFamily="18" charset="2"/>
+              <a:buChar char=""/>
+              <a:tabLst>
+                <a:tab pos="971550" algn="l"/>
+              </a:tabLst>
+            </a:pPr>
+            <a:r>
+              <a:rPr lang="en-US" b="1" dirty="0">
+                <a:effectLst/>
+                <a:ea typeface="Calibri" panose="020F0502020204030204" pitchFamily="34" charset="0"/>
+                <a:cs typeface="Times New Roman" panose="02020603050405020304" pitchFamily="18" charset="0"/>
+              </a:rPr>
+              <a:t>Processor: </a:t>
+            </a:r>
+            <a:r>
+              <a:rPr lang="en-US" dirty="0">
+                <a:effectLst/>
+                <a:ea typeface="Calibri" panose="020F0502020204030204" pitchFamily="34" charset="0"/>
+                <a:cs typeface="Times New Roman" panose="02020603050405020304" pitchFamily="18" charset="0"/>
+              </a:rPr>
+              <a:t>A multi-core processor with a clock speed of at least 2.0 GHz or Higher is recommended</a:t>
+            </a:r>
+          </a:p>
+          <a:p>
+            <a:pPr marL="800100" lvl="1" indent="-342900">
+              <a:lnSpc>
+                <a:spcPct val="115000"/>
+              </a:lnSpc>
+              <a:spcBef>
+                <a:spcPts val="0"/>
+              </a:spcBef>
+              <a:buFont typeface="Symbol" panose="05050102010706020507" pitchFamily="18" charset="2"/>
+              <a:buChar char=""/>
+              <a:tabLst>
+                <a:tab pos="971550" algn="l"/>
+              </a:tabLst>
+            </a:pPr>
+            <a:r>
+              <a:rPr lang="en-US" b="1" dirty="0">
+                <a:effectLst/>
+                <a:ea typeface="Calibri" panose="020F0502020204030204" pitchFamily="34" charset="0"/>
+                <a:cs typeface="Times New Roman" panose="02020603050405020304" pitchFamily="18" charset="0"/>
+              </a:rPr>
+              <a:t>RAM: </a:t>
+            </a:r>
+            <a:r>
+              <a:rPr lang="en-US" dirty="0">
+                <a:effectLst/>
+                <a:ea typeface="Calibri" panose="020F0502020204030204" pitchFamily="34" charset="0"/>
+                <a:cs typeface="Times New Roman" panose="02020603050405020304" pitchFamily="18" charset="0"/>
+              </a:rPr>
+              <a:t> Minimum </a:t>
+            </a:r>
+            <a:r>
+              <a:rPr lang="en-US" b="1" dirty="0">
+                <a:effectLst/>
+                <a:ea typeface="Calibri" panose="020F0502020204030204" pitchFamily="34" charset="0"/>
+                <a:cs typeface="Times New Roman" panose="02020603050405020304" pitchFamily="18" charset="0"/>
+              </a:rPr>
+              <a:t> </a:t>
+            </a:r>
+            <a:r>
+              <a:rPr lang="en-US" dirty="0">
+                <a:effectLst/>
+                <a:ea typeface="Calibri" panose="020F0502020204030204" pitchFamily="34" charset="0"/>
+                <a:cs typeface="Times New Roman" panose="02020603050405020304" pitchFamily="18" charset="0"/>
+              </a:rPr>
+              <a:t>4GB of RAM</a:t>
+            </a:r>
+          </a:p>
+          <a:p>
+            <a:pPr marL="800100" lvl="1" indent="-342900">
+              <a:lnSpc>
+                <a:spcPct val="115000"/>
+              </a:lnSpc>
+              <a:spcBef>
+                <a:spcPts val="0"/>
+              </a:spcBef>
+              <a:spcAft>
+                <a:spcPts val="1000"/>
+              </a:spcAft>
+              <a:buFont typeface="Symbol" panose="05050102010706020507" pitchFamily="18" charset="2"/>
+              <a:buChar char=""/>
+              <a:tabLst>
+                <a:tab pos="971550" algn="l"/>
+              </a:tabLst>
+            </a:pPr>
+            <a:r>
+              <a:rPr lang="en-US" b="1" dirty="0">
+                <a:effectLst/>
+                <a:ea typeface="Calibri" panose="020F0502020204030204" pitchFamily="34" charset="0"/>
+                <a:cs typeface="Times New Roman" panose="02020603050405020304" pitchFamily="18" charset="0"/>
+              </a:rPr>
+              <a:t>Storage: </a:t>
+            </a:r>
+            <a:r>
+              <a:rPr lang="en-US" dirty="0">
+                <a:effectLst/>
+                <a:ea typeface="Calibri" panose="020F0502020204030204" pitchFamily="34" charset="0"/>
+                <a:cs typeface="Times New Roman" panose="02020603050405020304" pitchFamily="18" charset="0"/>
+              </a:rPr>
+              <a:t>A minimum of 10GB of free disk space is recommended</a:t>
+            </a:r>
+          </a:p>
+          <a:p>
+            <a:pPr lvl="1"/>
+            <a:endParaRPr lang="en-US" dirty="0"/>
+          </a:p>
+        </p:txBody>
+      </p:sp>
+    </p:spTree>
+    <p:extLst>
+      <p:ext uri="{BB962C8B-B14F-4D97-AF65-F5344CB8AC3E}">
+        <p14:creationId xmlns:p14="http://schemas.microsoft.com/office/powerpoint/2010/main" val="3139654051"/>
+      </p:ext>
+    </p:extLst>
+  </p:cSld>
+  <p:clrMapOvr>
+    <a:masterClrMapping/>
+  </p:clrMapOvr>
+</p:sld>
+</file>
+
+<file path=ppt/slides/slide11.xml><?xml version="1.0" encoding="utf-8"?>
+<p:sld xmlns:a="http://schemas.openxmlformats.org/drawingml/2006/main" xmlns:r="http://schemas.openxmlformats.org/officeDocument/2006/relationships" xmlns:p="http://schemas.openxmlformats.org/presentationml/2006/main">
+  <p:cSld>
+    <p:spTree>
+      <p:nvGrpSpPr>
+        <p:cNvPr id="1" name=""/>
+        <p:cNvGrpSpPr/>
+        <p:nvPr/>
+      </p:nvGrpSpPr>
+      <p:grpSpPr>
+        <a:xfrm>
+          <a:off x="0" y="0"/>
+          <a:ext cx="0" cy="0"/>
+          <a:chOff x="0" y="0"/>
+          <a:chExt cx="0" cy="0"/>
+        </a:xfrm>
+      </p:grpSpPr>
+      <p:sp>
+        <p:nvSpPr>
+          <p:cNvPr id="2" name="Title 1">
+            <a:extLst>
+              <a:ext uri="{FF2B5EF4-FFF2-40B4-BE49-F238E27FC236}">
+                <a16:creationId xmlns:a16="http://schemas.microsoft.com/office/drawing/2014/main" id="{9DA0A99E-1317-8DDA-1F10-210E722823FD}"/>
+              </a:ext>
+            </a:extLst>
+          </p:cNvPr>
+          <p:cNvSpPr>
+            <a:spLocks noGrp="1"/>
+          </p:cNvSpPr>
+          <p:nvPr>
+            <p:ph type="title"/>
+          </p:nvPr>
+        </p:nvSpPr>
+        <p:spPr/>
+        <p:txBody>
+          <a:bodyPr/>
+          <a:lstStyle/>
+          <a:p>
+            <a:r>
+              <a:rPr lang="en-US" dirty="0"/>
+              <a:t>Future work</a:t>
+            </a:r>
+          </a:p>
+        </p:txBody>
+      </p:sp>
+      <p:sp>
+        <p:nvSpPr>
+          <p:cNvPr id="3" name="Content Placeholder 2">
+            <a:extLst>
+              <a:ext uri="{FF2B5EF4-FFF2-40B4-BE49-F238E27FC236}">
+                <a16:creationId xmlns:a16="http://schemas.microsoft.com/office/drawing/2014/main" id="{40444580-06E6-66ED-F130-38B65C74F90E}"/>
+              </a:ext>
+            </a:extLst>
+          </p:cNvPr>
+          <p:cNvSpPr>
+            <a:spLocks noGrp="1"/>
+          </p:cNvSpPr>
+          <p:nvPr>
+            <p:ph idx="1"/>
+          </p:nvPr>
+        </p:nvSpPr>
+        <p:spPr/>
+        <p:txBody>
+          <a:bodyPr/>
+          <a:lstStyle/>
+          <a:p>
+            <a:r>
+              <a:rPr lang="en-US" dirty="0"/>
+              <a:t>Allow customers to customize food orders and  reservation system</a:t>
+            </a:r>
+          </a:p>
+          <a:p>
+            <a:r>
+              <a:rPr lang="en-US" dirty="0"/>
+              <a:t>Allow to save payment details for future use</a:t>
+            </a:r>
+          </a:p>
+          <a:p>
+            <a:r>
+              <a:rPr lang="en-US" dirty="0"/>
+              <a:t>Allow to find and choose our nearby branch  restaurant</a:t>
+            </a:r>
+          </a:p>
+          <a:p>
+            <a:endParaRPr lang="en-US" dirty="0"/>
+          </a:p>
+        </p:txBody>
+      </p:sp>
+    </p:spTree>
+    <p:extLst>
+      <p:ext uri="{BB962C8B-B14F-4D97-AF65-F5344CB8AC3E}">
+        <p14:creationId xmlns:p14="http://schemas.microsoft.com/office/powerpoint/2010/main" val="1227074861"/>
+      </p:ext>
+    </p:extLst>
+  </p:cSld>
+  <p:clrMapOvr>
+    <a:masterClrMapping/>
+  </p:clrMapOvr>
+</p:sld>
+</file>
+
+<file path=ppt/slides/slide12.xml><?xml version="1.0" encoding="utf-8"?>
+<p:sld xmlns:a="http://schemas.openxmlformats.org/drawingml/2006/main" xmlns:r="http://schemas.openxmlformats.org/officeDocument/2006/relationships" xmlns:p="http://schemas.openxmlformats.org/presentationml/2006/main">
+  <p:cSld>
+    <p:spTree>
+      <p:nvGrpSpPr>
+        <p:cNvPr id="1" name=""/>
+        <p:cNvGrpSpPr/>
+        <p:nvPr/>
+      </p:nvGrpSpPr>
+      <p:grpSpPr>
+        <a:xfrm>
+          <a:off x="0" y="0"/>
+          <a:ext cx="0" cy="0"/>
+          <a:chOff x="0" y="0"/>
+          <a:chExt cx="0" cy="0"/>
+        </a:xfrm>
+      </p:grpSpPr>
+      <p:sp>
+        <p:nvSpPr>
+          <p:cNvPr id="2" name="Title 1">
+            <a:extLst>
+              <a:ext uri="{FF2B5EF4-FFF2-40B4-BE49-F238E27FC236}">
+                <a16:creationId xmlns:a16="http://schemas.microsoft.com/office/drawing/2014/main" id="{7C758F01-CD1D-0703-470C-304796B0C696}"/>
+              </a:ext>
+            </a:extLst>
+          </p:cNvPr>
+          <p:cNvSpPr>
+            <a:spLocks noGrp="1"/>
+          </p:cNvSpPr>
+          <p:nvPr>
+            <p:ph type="title"/>
+          </p:nvPr>
+        </p:nvSpPr>
+        <p:spPr/>
+        <p:txBody>
+          <a:bodyPr/>
+          <a:lstStyle/>
+          <a:p>
+            <a:r>
+              <a:rPr lang="en-US" dirty="0"/>
+              <a:t>conclusion</a:t>
+            </a:r>
+          </a:p>
+        </p:txBody>
+      </p:sp>
+      <p:sp>
+        <p:nvSpPr>
+          <p:cNvPr id="3" name="Content Placeholder 2">
+            <a:extLst>
+              <a:ext uri="{FF2B5EF4-FFF2-40B4-BE49-F238E27FC236}">
+                <a16:creationId xmlns:a16="http://schemas.microsoft.com/office/drawing/2014/main" id="{193C41FF-552E-D018-6250-E672D3066D80}"/>
+              </a:ext>
+            </a:extLst>
+          </p:cNvPr>
+          <p:cNvSpPr>
+            <a:spLocks noGrp="1"/>
+          </p:cNvSpPr>
+          <p:nvPr>
+            <p:ph idx="1"/>
+          </p:nvPr>
+        </p:nvSpPr>
+        <p:spPr/>
+        <p:txBody>
+          <a:bodyPr>
+            <a:normAutofit/>
+          </a:bodyPr>
+          <a:lstStyle/>
+          <a:p>
+            <a:r>
+              <a:rPr lang="en-US" dirty="0">
+                <a:solidFill>
+                  <a:srgbClr val="000000"/>
+                </a:solidFill>
+                <a:effectLst/>
+                <a:latin typeface="+mj-lt"/>
+                <a:ea typeface="Calibri" panose="020F0502020204030204" pitchFamily="34" charset="0"/>
+              </a:rPr>
+              <a:t>The implementation of a Restaurant Management System has been proposed to be implemented to replace the manual system. This project was made user friendly by using  basic visual enabling the user to interact easily .</a:t>
+            </a:r>
+            <a:endParaRPr lang="en-US" sz="2400" dirty="0">
+              <a:latin typeface="+mj-lt"/>
+            </a:endParaRPr>
+          </a:p>
+        </p:txBody>
+      </p:sp>
+    </p:spTree>
+    <p:extLst>
+      <p:ext uri="{BB962C8B-B14F-4D97-AF65-F5344CB8AC3E}">
+        <p14:creationId xmlns:p14="http://schemas.microsoft.com/office/powerpoint/2010/main" val="433604909"/>
+      </p:ext>
+    </p:extLst>
+  </p:cSld>
+  <p:clrMapOvr>
+    <a:masterClrMapping/>
+  </p:clrMapOvr>
+</p:sld>
+</file>
+
+<file path=ppt/slides/slide13.xml><?xml version="1.0" encoding="utf-8"?>
+<p:sld xmlns:a="http://schemas.openxmlformats.org/drawingml/2006/main" xmlns:r="http://schemas.openxmlformats.org/officeDocument/2006/relationships" xmlns:p="http://schemas.openxmlformats.org/presentationml/2006/main">
+  <p:cSld>
+    <p:spTree>
+      <p:nvGrpSpPr>
+        <p:cNvPr id="1" name=""/>
+        <p:cNvGrpSpPr/>
+        <p:nvPr/>
+      </p:nvGrpSpPr>
+      <p:grpSpPr>
+        <a:xfrm>
+          <a:off x="0" y="0"/>
+          <a:ext cx="0" cy="0"/>
+          <a:chOff x="0" y="0"/>
+          <a:chExt cx="0" cy="0"/>
+        </a:xfrm>
+      </p:grpSpPr>
+      <p:sp>
+        <p:nvSpPr>
+          <p:cNvPr id="2" name="Title 1">
+            <a:extLst>
+              <a:ext uri="{FF2B5EF4-FFF2-40B4-BE49-F238E27FC236}">
+                <a16:creationId xmlns:a16="http://schemas.microsoft.com/office/drawing/2014/main" id="{23CFDEBA-1665-163E-B7DA-61987F7FFB66}"/>
+              </a:ext>
+            </a:extLst>
+          </p:cNvPr>
+          <p:cNvSpPr>
+            <a:spLocks noGrp="1"/>
+          </p:cNvSpPr>
+          <p:nvPr>
+            <p:ph type="title"/>
+          </p:nvPr>
+        </p:nvSpPr>
+        <p:spPr/>
+        <p:txBody>
+          <a:bodyPr/>
+          <a:lstStyle/>
+          <a:p>
+            <a:r>
+              <a:rPr lang="en-US" dirty="0"/>
+              <a:t>references</a:t>
+            </a:r>
+          </a:p>
+        </p:txBody>
+      </p:sp>
+      <p:sp>
+        <p:nvSpPr>
+          <p:cNvPr id="3" name="Content Placeholder 2">
+            <a:extLst>
+              <a:ext uri="{FF2B5EF4-FFF2-40B4-BE49-F238E27FC236}">
+                <a16:creationId xmlns:a16="http://schemas.microsoft.com/office/drawing/2014/main" id="{F221784E-BC0C-1300-6511-A122964E7549}"/>
+              </a:ext>
+            </a:extLst>
+          </p:cNvPr>
+          <p:cNvSpPr>
+            <a:spLocks noGrp="1"/>
+          </p:cNvSpPr>
+          <p:nvPr>
+            <p:ph idx="1"/>
+          </p:nvPr>
+        </p:nvSpPr>
+        <p:spPr/>
+        <p:txBody>
+          <a:bodyPr/>
+          <a:lstStyle/>
+          <a:p>
+            <a:r>
+              <a:rPr lang="en-US" dirty="0"/>
+              <a:t>DOI: </a:t>
+            </a:r>
+          </a:p>
+          <a:p>
+            <a:pPr lvl="1"/>
+            <a:r>
+              <a:rPr lang="en-US" sz="1600" dirty="0">
+                <a:hlinkClick r:id="rId2"/>
+              </a:rPr>
+              <a:t>https://www.slideshare.net/joilrahat/restaurant-management-presentation?from_action=save</a:t>
+            </a:r>
+            <a:endParaRPr lang="en-US" sz="1600" dirty="0"/>
+          </a:p>
+          <a:p>
+            <a:pPr lvl="1"/>
+            <a:r>
+              <a:rPr lang="en-US" sz="1800" dirty="0">
+                <a:effectLst/>
+                <a:latin typeface="Calibri" panose="020F0502020204030204" pitchFamily="34" charset="0"/>
+                <a:ea typeface="Calibri" panose="020F0502020204030204" pitchFamily="34" charset="0"/>
+                <a:cs typeface="Times New Roman" panose="02020603050405020304" pitchFamily="18" charset="0"/>
+              </a:rPr>
+              <a:t>Carl Abernethy,</a:t>
+            </a:r>
+            <a:r>
+              <a:rPr lang="en-US" dirty="0">
+                <a:effectLst/>
+                <a:latin typeface="Calibri" panose="020F0502020204030204" pitchFamily="34" charset="0"/>
+                <a:ea typeface="Calibri" panose="020F0502020204030204" pitchFamily="34" charset="0"/>
+                <a:cs typeface="Times New Roman" panose="02020603050405020304" pitchFamily="18" charset="0"/>
+              </a:rPr>
+              <a:t> </a:t>
+            </a:r>
+            <a:r>
+              <a:rPr lang="en-US" u="sng" dirty="0">
+                <a:solidFill>
+                  <a:srgbClr val="0000FF"/>
+                </a:solidFill>
+                <a:effectLst/>
+                <a:latin typeface="Calibri" panose="020F0502020204030204" pitchFamily="34" charset="0"/>
+                <a:ea typeface="Calibri" panose="020F0502020204030204" pitchFamily="34" charset="0"/>
+                <a:cs typeface="Times New Roman" panose="02020603050405020304" pitchFamily="18" charset="0"/>
+                <a:hlinkClick r:id="rId3"/>
+              </a:rPr>
+              <a:t>https://www.academia.edu/36675814/Restaurant_Management_System</a:t>
+            </a:r>
+            <a:r>
+              <a:rPr lang="en-US" dirty="0">
+                <a:effectLst/>
+                <a:latin typeface="Calibri" panose="020F0502020204030204" pitchFamily="34" charset="0"/>
+                <a:ea typeface="Calibri" panose="020F0502020204030204" pitchFamily="34" charset="0"/>
+                <a:cs typeface="Times New Roman" panose="02020603050405020304" pitchFamily="18" charset="0"/>
+              </a:rPr>
+              <a:t>, 5</a:t>
+            </a:r>
+            <a:r>
+              <a:rPr lang="en-US" baseline="30000" dirty="0">
+                <a:effectLst/>
+                <a:latin typeface="Calibri" panose="020F0502020204030204" pitchFamily="34" charset="0"/>
+                <a:ea typeface="Calibri" panose="020F0502020204030204" pitchFamily="34" charset="0"/>
+                <a:cs typeface="Times New Roman" panose="02020603050405020304" pitchFamily="18" charset="0"/>
+              </a:rPr>
+              <a:t>th</a:t>
+            </a:r>
+            <a:r>
+              <a:rPr lang="en-US" dirty="0">
+                <a:effectLst/>
+                <a:latin typeface="Calibri" panose="020F0502020204030204" pitchFamily="34" charset="0"/>
+                <a:ea typeface="Calibri" panose="020F0502020204030204" pitchFamily="34" charset="0"/>
+                <a:cs typeface="Times New Roman" panose="02020603050405020304" pitchFamily="18" charset="0"/>
+              </a:rPr>
+              <a:t> May 2010</a:t>
+            </a:r>
+          </a:p>
+          <a:p>
+            <a:pPr lvl="1"/>
+            <a:endParaRPr lang="en-US" dirty="0"/>
+          </a:p>
+        </p:txBody>
+      </p:sp>
+    </p:spTree>
+    <p:extLst>
+      <p:ext uri="{BB962C8B-B14F-4D97-AF65-F5344CB8AC3E}">
+        <p14:creationId xmlns:p14="http://schemas.microsoft.com/office/powerpoint/2010/main" val="3191988558"/>
+      </p:ext>
+    </p:extLst>
+  </p:cSld>
+  <p:clrMapOvr>
+    <a:masterClrMapping/>
+  </p:clrMapOvr>
+</p:sld>
+</file>
+
+<file path=ppt/slides/slide14.xml><?xml version="1.0" encoding="utf-8"?>
+<p:sld xmlns:a="http://schemas.openxmlformats.org/drawingml/2006/main" xmlns:r="http://schemas.openxmlformats.org/officeDocument/2006/relationships" xmlns:p="http://schemas.openxmlformats.org/presentationml/2006/main">
+  <p:cSld>
+    <p:spTree>
+      <p:nvGrpSpPr>
+        <p:cNvPr id="1" name=""/>
+        <p:cNvGrpSpPr/>
+        <p:nvPr/>
+      </p:nvGrpSpPr>
+      <p:grpSpPr>
+        <a:xfrm>
+          <a:off x="0" y="0"/>
+          <a:ext cx="0" cy="0"/>
+          <a:chOff x="0" y="0"/>
+          <a:chExt cx="0" cy="0"/>
+        </a:xfrm>
+      </p:grpSpPr>
+      <p:sp>
+        <p:nvSpPr>
+          <p:cNvPr id="2" name="Title 1">
+            <a:extLst>
+              <a:ext uri="{FF2B5EF4-FFF2-40B4-BE49-F238E27FC236}">
+                <a16:creationId xmlns:a16="http://schemas.microsoft.com/office/drawing/2014/main" id="{C5095C16-DC1E-7FBC-FA42-2E9C0AC896FB}"/>
+              </a:ext>
+            </a:extLst>
+          </p:cNvPr>
+          <p:cNvSpPr>
+            <a:spLocks noGrp="1"/>
+          </p:cNvSpPr>
+          <p:nvPr>
+            <p:ph type="title"/>
+          </p:nvPr>
+        </p:nvSpPr>
+        <p:spPr/>
+        <p:txBody>
+          <a:bodyPr/>
+          <a:lstStyle/>
+          <a:p>
+            <a:r>
+              <a:rPr lang="en-US"/>
+              <a:t>Thank you</a:t>
+            </a:r>
+          </a:p>
+        </p:txBody>
+      </p:sp>
+      <p:sp>
+        <p:nvSpPr>
+          <p:cNvPr id="3" name="Content Placeholder 2">
+            <a:extLst>
+              <a:ext uri="{FF2B5EF4-FFF2-40B4-BE49-F238E27FC236}">
+                <a16:creationId xmlns:a16="http://schemas.microsoft.com/office/drawing/2014/main" id="{7879FE82-39BB-0FA6-A54E-7770D87537DE}"/>
+              </a:ext>
+            </a:extLst>
+          </p:cNvPr>
+          <p:cNvSpPr>
+            <a:spLocks noGrp="1"/>
+          </p:cNvSpPr>
+          <p:nvPr>
+            <p:ph idx="1"/>
+          </p:nvPr>
+        </p:nvSpPr>
+        <p:spPr/>
+        <p:txBody>
+          <a:bodyPr/>
+          <a:lstStyle/>
+          <a:p>
+            <a:pPr marL="0" indent="0">
+              <a:buNone/>
+            </a:pPr>
+            <a:endParaRPr lang="en-US" dirty="0"/>
+          </a:p>
+        </p:txBody>
+      </p:sp>
+    </p:spTree>
+    <p:extLst>
+      <p:ext uri="{BB962C8B-B14F-4D97-AF65-F5344CB8AC3E}">
+        <p14:creationId xmlns:p14="http://schemas.microsoft.com/office/powerpoint/2010/main" val="1011147898"/>
+      </p:ext>
+    </p:extLst>
+  </p:cSld>
+  <p:clrMapOvr>
+    <a:masterClrMapping/>
+  </p:clrMapOvr>
+</p:sld>
+</file>
+
+<file path=ppt/slides/slide2.xml><?xml version="1.0" encoding="utf-8"?>
+<p:sld xmlns:a="http://schemas.openxmlformats.org/drawingml/2006/main" xmlns:r="http://schemas.openxmlformats.org/officeDocument/2006/relationships" xmlns:p="http://schemas.openxmlformats.org/presentationml/2006/main">
+  <p:cSld>
+    <p:spTree>
+      <p:nvGrpSpPr>
+        <p:cNvPr id="1" name=""/>
+        <p:cNvGrpSpPr/>
+        <p:nvPr/>
+      </p:nvGrpSpPr>
+      <p:grpSpPr>
+        <a:xfrm>
+          <a:off x="0" y="0"/>
+          <a:ext cx="0" cy="0"/>
+          <a:chOff x="0" y="0"/>
+          <a:chExt cx="0" cy="0"/>
+        </a:xfrm>
+      </p:grpSpPr>
+      <p:sp>
+        <p:nvSpPr>
+          <p:cNvPr id="2" name="Title 1">
+            <a:extLst>
+              <a:ext uri="{FF2B5EF4-FFF2-40B4-BE49-F238E27FC236}">
+                <a16:creationId xmlns:a16="http://schemas.microsoft.com/office/drawing/2014/main" id="{0BFB6BEA-B1CC-B0A6-63DE-A29329A170FA}"/>
+              </a:ext>
+            </a:extLst>
+          </p:cNvPr>
+          <p:cNvSpPr>
+            <a:spLocks noGrp="1"/>
+          </p:cNvSpPr>
+          <p:nvPr>
+            <p:ph type="title"/>
+          </p:nvPr>
+        </p:nvSpPr>
+        <p:spPr/>
+        <p:txBody>
+          <a:bodyPr/>
+          <a:lstStyle/>
+          <a:p>
+            <a:r>
+              <a:rPr lang="en-US" dirty="0" err="1"/>
+              <a:t>IntRODUCTION</a:t>
+            </a:r>
+            <a:endParaRPr lang="en-US" dirty="0"/>
+          </a:p>
+        </p:txBody>
+      </p:sp>
+      <p:sp>
+        <p:nvSpPr>
+          <p:cNvPr id="3" name="Content Placeholder 2">
+            <a:extLst>
+              <a:ext uri="{FF2B5EF4-FFF2-40B4-BE49-F238E27FC236}">
+                <a16:creationId xmlns:a16="http://schemas.microsoft.com/office/drawing/2014/main" id="{BD9E3E1F-9D80-45DE-6EC7-D6F35F1452CC}"/>
+              </a:ext>
+            </a:extLst>
+          </p:cNvPr>
+          <p:cNvSpPr>
+            <a:spLocks noGrp="1"/>
+          </p:cNvSpPr>
+          <p:nvPr>
+            <p:ph idx="1"/>
+          </p:nvPr>
+        </p:nvSpPr>
+        <p:spPr/>
+        <p:txBody>
+          <a:bodyPr/>
+          <a:lstStyle/>
+          <a:p>
+            <a:r>
+              <a:rPr lang="en-US" dirty="0"/>
+              <a:t>Restaurant is place where we have to deal with a number of customers, and the key to success is customer satisfaction.</a:t>
+            </a:r>
+          </a:p>
+          <a:p>
+            <a:r>
+              <a:rPr lang="en-US" dirty="0">
+                <a:solidFill>
+                  <a:srgbClr val="000000"/>
+                </a:solidFill>
+                <a:effectLst/>
+                <a:latin typeface="+mj-lt"/>
+                <a:ea typeface="Calibri" panose="020F0502020204030204" pitchFamily="34" charset="0"/>
+              </a:rPr>
+              <a:t>Restaurant Management System has been proposed to be implemented to replace the manual system</a:t>
+            </a:r>
+          </a:p>
+          <a:p>
+            <a:r>
+              <a:rPr lang="en-US" dirty="0">
+                <a:solidFill>
+                  <a:srgbClr val="000000"/>
+                </a:solidFill>
+                <a:latin typeface="+mj-lt"/>
+                <a:ea typeface="Calibri" panose="020F0502020204030204" pitchFamily="34" charset="0"/>
+              </a:rPr>
+              <a:t>The main aim of this project is computerization of all processes which happen in Restaurant</a:t>
+            </a:r>
+            <a:endParaRPr lang="en-US" dirty="0">
+              <a:latin typeface="+mj-lt"/>
+            </a:endParaRPr>
+          </a:p>
+        </p:txBody>
+      </p:sp>
+    </p:spTree>
+    <p:extLst>
+      <p:ext uri="{BB962C8B-B14F-4D97-AF65-F5344CB8AC3E}">
+        <p14:creationId xmlns:p14="http://schemas.microsoft.com/office/powerpoint/2010/main" val="27538436"/>
+      </p:ext>
+    </p:extLst>
+  </p:cSld>
+  <p:clrMapOvr>
+    <a:masterClrMapping/>
+  </p:clrMapOvr>
+</p:sld>
+</file>
+
+<file path=ppt/slides/slide3.xml><?xml version="1.0" encoding="utf-8"?>
+<p:sld xmlns:a="http://schemas.openxmlformats.org/drawingml/2006/main" xmlns:r="http://schemas.openxmlformats.org/officeDocument/2006/relationships" xmlns:p="http://schemas.openxmlformats.org/presentationml/2006/main">
+  <p:cSld>
+    <p:spTree>
+      <p:nvGrpSpPr>
+        <p:cNvPr id="1" name=""/>
+        <p:cNvGrpSpPr/>
+        <p:nvPr/>
+      </p:nvGrpSpPr>
+      <p:grpSpPr>
+        <a:xfrm>
+          <a:off x="0" y="0"/>
+          <a:ext cx="0" cy="0"/>
+          <a:chOff x="0" y="0"/>
+          <a:chExt cx="0" cy="0"/>
+        </a:xfrm>
+      </p:grpSpPr>
+      <p:sp>
+        <p:nvSpPr>
+          <p:cNvPr id="2" name="Title 1">
+            <a:extLst>
+              <a:ext uri="{FF2B5EF4-FFF2-40B4-BE49-F238E27FC236}">
+                <a16:creationId xmlns:a16="http://schemas.microsoft.com/office/drawing/2014/main" id="{F1FE2BF8-33FE-C0CE-8142-1073DE68C342}"/>
+              </a:ext>
+            </a:extLst>
+          </p:cNvPr>
+          <p:cNvSpPr>
+            <a:spLocks noGrp="1"/>
+          </p:cNvSpPr>
+          <p:nvPr>
+            <p:ph type="title"/>
+          </p:nvPr>
+        </p:nvSpPr>
+        <p:spPr/>
+        <p:txBody>
+          <a:bodyPr/>
+          <a:lstStyle/>
+          <a:p>
+            <a:r>
+              <a:rPr lang="en-US" dirty="0"/>
+              <a:t>Drawbacks of existing system </a:t>
+            </a:r>
+            <a:br>
+              <a:rPr lang="en-US" dirty="0"/>
+            </a:br>
+            <a:endParaRPr lang="en-US" dirty="0"/>
+          </a:p>
+        </p:txBody>
+      </p:sp>
+      <p:sp>
+        <p:nvSpPr>
+          <p:cNvPr id="3" name="Content Placeholder 2">
+            <a:extLst>
+              <a:ext uri="{FF2B5EF4-FFF2-40B4-BE49-F238E27FC236}">
+                <a16:creationId xmlns:a16="http://schemas.microsoft.com/office/drawing/2014/main" id="{7C0638D5-42C2-D06E-0BC4-1CB1173EE21F}"/>
+              </a:ext>
+            </a:extLst>
+          </p:cNvPr>
+          <p:cNvSpPr>
+            <a:spLocks noGrp="1"/>
+          </p:cNvSpPr>
+          <p:nvPr>
+            <p:ph idx="1"/>
+          </p:nvPr>
+        </p:nvSpPr>
+        <p:spPr/>
+        <p:txBody>
+          <a:bodyPr>
+            <a:normAutofit fontScale="92500" lnSpcReduction="10000"/>
+          </a:bodyPr>
+          <a:lstStyle/>
+          <a:p>
+            <a:r>
+              <a:rPr lang="en-US" sz="2400" b="1" dirty="0">
+                <a:effectLst/>
+                <a:latin typeface="+mj-lt"/>
+                <a:ea typeface="Calibri" panose="020F0502020204030204" pitchFamily="34" charset="0"/>
+              </a:rPr>
+              <a:t>Traditionally, restaurant management involved a lot of manual processes and paperwork, which made it time-consuming, mistake, and inefficient. </a:t>
+            </a:r>
+          </a:p>
+          <a:p>
+            <a:r>
+              <a:rPr lang="en-US" sz="2000" dirty="0">
+                <a:latin typeface="+mj-lt"/>
+                <a:ea typeface="Calibri" panose="020F0502020204030204" pitchFamily="34" charset="0"/>
+              </a:rPr>
+              <a:t>Existing system is maintained manually , </a:t>
+            </a:r>
+            <a:r>
+              <a:rPr lang="en-US" sz="2000" dirty="0">
+                <a:effectLst/>
+                <a:latin typeface="+mj-lt"/>
+                <a:ea typeface="Calibri" panose="020F0502020204030204" pitchFamily="34" charset="0"/>
+              </a:rPr>
+              <a:t>which often resulted in miscommunication , delays and customer dissatisfaction.</a:t>
+            </a:r>
+            <a:endParaRPr lang="en-US" sz="2000" dirty="0">
+              <a:latin typeface="+mj-lt"/>
+              <a:ea typeface="Calibri" panose="020F0502020204030204" pitchFamily="34" charset="0"/>
+            </a:endParaRPr>
+          </a:p>
+          <a:p>
+            <a:r>
+              <a:rPr lang="en-US" sz="2000" dirty="0">
+                <a:latin typeface="+mj-lt"/>
+                <a:ea typeface="Calibri" panose="020F0502020204030204" pitchFamily="34" charset="0"/>
+              </a:rPr>
+              <a:t>M</a:t>
+            </a:r>
+            <a:r>
+              <a:rPr lang="en-US" sz="2000" dirty="0">
+                <a:effectLst/>
+                <a:latin typeface="+mj-lt"/>
+                <a:ea typeface="Calibri" panose="020F0502020204030204" pitchFamily="34" charset="0"/>
+              </a:rPr>
+              <a:t>anually taking orders from customers and sending them to the kitchen staff.</a:t>
+            </a:r>
+          </a:p>
+          <a:p>
+            <a:r>
+              <a:rPr lang="en-US" dirty="0">
+                <a:latin typeface="+mj-lt"/>
+                <a:ea typeface="Calibri" panose="020F0502020204030204" pitchFamily="34" charset="0"/>
+                <a:cs typeface="Times New Roman" panose="02020603050405020304" pitchFamily="18" charset="0"/>
+              </a:rPr>
+              <a:t>Reports are not easily generated whenever it is needed.</a:t>
+            </a:r>
+          </a:p>
+          <a:p>
+            <a:r>
+              <a:rPr lang="en-US" dirty="0">
+                <a:effectLst/>
+                <a:latin typeface="+mj-lt"/>
+                <a:ea typeface="Calibri" panose="020F0502020204030204" pitchFamily="34" charset="0"/>
+                <a:cs typeface="Times New Roman" panose="02020603050405020304" pitchFamily="18" charset="0"/>
+              </a:rPr>
+              <a:t>Less accuracy</a:t>
+            </a:r>
+          </a:p>
+          <a:p>
+            <a:endParaRPr lang="en-US" dirty="0"/>
+          </a:p>
+          <a:p>
+            <a:endParaRPr lang="en-US" dirty="0"/>
+          </a:p>
+          <a:p>
+            <a:endParaRPr lang="en-US" dirty="0"/>
+          </a:p>
+        </p:txBody>
+      </p:sp>
+    </p:spTree>
+    <p:extLst>
+      <p:ext uri="{BB962C8B-B14F-4D97-AF65-F5344CB8AC3E}">
+        <p14:creationId xmlns:p14="http://schemas.microsoft.com/office/powerpoint/2010/main" val="3391309657"/>
+      </p:ext>
+    </p:extLst>
+  </p:cSld>
+  <p:clrMapOvr>
+    <a:masterClrMapping/>
+  </p:clrMapOvr>
+  <p:timing>
+    <p:tnLst>
+      <p:par>
+        <p:cTn id="1" dur="indefinite" restart="never" nodeType="tmRoot">
+          <p:childTnLst>
+            <p:seq concurrent="1" nextAc="seek">
+              <p:cTn id="2" dur="indefinite" nodeType="mainSeq">
+                <p:childTnLst>
+                  <p:par>
+                    <p:cTn id="3" fill="hold">
+                      <p:stCondLst>
+                        <p:cond delay="indefinite"/>
+                      </p:stCondLst>
+                      <p:childTnLst>
+                        <p:par>
+                          <p:cTn id="4" fill="hold">
+                            <p:stCondLst>
+                              <p:cond delay="0"/>
+                            </p:stCondLst>
+                            <p:childTnLst>
+                              <p:par>
+                                <p:cTn id="5" presetID="53" presetClass="entr" presetSubtype="16" fill="hold" nodeType="clickEffect">
+                                  <p:stCondLst>
+                                    <p:cond delay="0"/>
+                                  </p:stCondLst>
+                                  <p:childTnLst>
+                                    <p:set>
+                                      <p:cBhvr>
+                                        <p:cTn id="6" dur="1" fill="hold">
+                                          <p:stCondLst>
+                                            <p:cond delay="0"/>
+                                          </p:stCondLst>
+                                        </p:cTn>
+                                        <p:tgtEl>
+                                          <p:spTgt spid="3">
+                                            <p:txEl>
+                                              <p:pRg st="0" end="0"/>
+                                            </p:txEl>
+                                          </p:spTgt>
+                                        </p:tgtEl>
+                                        <p:attrNameLst>
+                                          <p:attrName>style.visibility</p:attrName>
+                                        </p:attrNameLst>
+                                      </p:cBhvr>
+                                      <p:to>
+                                        <p:strVal val="visible"/>
+                                      </p:to>
+                                    </p:set>
+                                    <p:anim calcmode="lin" valueType="num">
+                                      <p:cBhvr>
+                                        <p:cTn id="7" dur="500" fill="hold"/>
+                                        <p:tgtEl>
+                                          <p:spTgt spid="3">
+                                            <p:txEl>
+                                              <p:pRg st="0" end="0"/>
+                                            </p:txEl>
+                                          </p:spTgt>
+                                        </p:tgtEl>
+                                        <p:attrNameLst>
+                                          <p:attrName>ppt_w</p:attrName>
+                                        </p:attrNameLst>
+                                      </p:cBhvr>
+                                      <p:tavLst>
+                                        <p:tav tm="0">
+                                          <p:val>
+                                            <p:fltVal val="0"/>
+                                          </p:val>
+                                        </p:tav>
+                                        <p:tav tm="100000">
+                                          <p:val>
+                                            <p:strVal val="#ppt_w"/>
+                                          </p:val>
+                                        </p:tav>
+                                      </p:tavLst>
+                                    </p:anim>
+                                    <p:anim calcmode="lin" valueType="num">
+                                      <p:cBhvr>
+                                        <p:cTn id="8" dur="500" fill="hold"/>
+                                        <p:tgtEl>
+                                          <p:spTgt spid="3">
+                                            <p:txEl>
+                                              <p:pRg st="0" end="0"/>
+                                            </p:txEl>
+                                          </p:spTgt>
+                                        </p:tgtEl>
+                                        <p:attrNameLst>
+                                          <p:attrName>ppt_h</p:attrName>
+                                        </p:attrNameLst>
+                                      </p:cBhvr>
+                                      <p:tavLst>
+                                        <p:tav tm="0">
+                                          <p:val>
+                                            <p:fltVal val="0"/>
+                                          </p:val>
+                                        </p:tav>
+                                        <p:tav tm="100000">
+                                          <p:val>
+                                            <p:strVal val="#ppt_h"/>
+                                          </p:val>
+                                        </p:tav>
+                                      </p:tavLst>
+                                    </p:anim>
+                                    <p:animEffect transition="in" filter="fade">
+                                      <p:cBhvr>
+                                        <p:cTn id="9" dur="500"/>
+                                        <p:tgtEl>
+                                          <p:spTgt spid="3">
+                                            <p:txEl>
+                                              <p:pRg st="0" end="0"/>
+                                            </p:txEl>
+                                          </p:spTgt>
+                                        </p:tgtEl>
+                                      </p:cBhvr>
+                                    </p:animEffect>
+                                  </p:childTnLst>
+                                </p:cTn>
+                              </p:par>
+                            </p:childTnLst>
+                          </p:cTn>
+                        </p:par>
+                      </p:childTnLst>
+                    </p:cTn>
+                  </p:par>
+                  <p:par>
+                    <p:cTn id="10" fill="hold">
+                      <p:stCondLst>
+                        <p:cond delay="indefinite"/>
+                      </p:stCondLst>
+                      <p:childTnLst>
+                        <p:par>
+                          <p:cTn id="11" fill="hold">
+                            <p:stCondLst>
+                              <p:cond delay="0"/>
+                            </p:stCondLst>
+                            <p:childTnLst>
+                              <p:par>
+                                <p:cTn id="12" presetID="53" presetClass="entr" presetSubtype="16" fill="hold" nodeType="clickEffect">
+                                  <p:stCondLst>
+                                    <p:cond delay="0"/>
+                                  </p:stCondLst>
+                                  <p:childTnLst>
+                                    <p:set>
+                                      <p:cBhvr>
+                                        <p:cTn id="13" dur="1" fill="hold">
+                                          <p:stCondLst>
+                                            <p:cond delay="0"/>
+                                          </p:stCondLst>
+                                        </p:cTn>
+                                        <p:tgtEl>
+                                          <p:spTgt spid="3">
+                                            <p:txEl>
+                                              <p:pRg st="1" end="1"/>
+                                            </p:txEl>
+                                          </p:spTgt>
+                                        </p:tgtEl>
+                                        <p:attrNameLst>
+                                          <p:attrName>style.visibility</p:attrName>
+                                        </p:attrNameLst>
+                                      </p:cBhvr>
+                                      <p:to>
+                                        <p:strVal val="visible"/>
+                                      </p:to>
+                                    </p:set>
+                                    <p:anim calcmode="lin" valueType="num">
+                                      <p:cBhvr>
+                                        <p:cTn id="14" dur="500" fill="hold"/>
+                                        <p:tgtEl>
+                                          <p:spTgt spid="3">
+                                            <p:txEl>
+                                              <p:pRg st="1" end="1"/>
+                                            </p:txEl>
+                                          </p:spTgt>
+                                        </p:tgtEl>
+                                        <p:attrNameLst>
+                                          <p:attrName>ppt_w</p:attrName>
+                                        </p:attrNameLst>
+                                      </p:cBhvr>
+                                      <p:tavLst>
+                                        <p:tav tm="0">
+                                          <p:val>
+                                            <p:fltVal val="0"/>
+                                          </p:val>
+                                        </p:tav>
+                                        <p:tav tm="100000">
+                                          <p:val>
+                                            <p:strVal val="#ppt_w"/>
+                                          </p:val>
+                                        </p:tav>
+                                      </p:tavLst>
+                                    </p:anim>
+                                    <p:anim calcmode="lin" valueType="num">
+                                      <p:cBhvr>
+                                        <p:cTn id="15" dur="500" fill="hold"/>
+                                        <p:tgtEl>
+                                          <p:spTgt spid="3">
+                                            <p:txEl>
+                                              <p:pRg st="1" end="1"/>
+                                            </p:txEl>
+                                          </p:spTgt>
+                                        </p:tgtEl>
+                                        <p:attrNameLst>
+                                          <p:attrName>ppt_h</p:attrName>
+                                        </p:attrNameLst>
+                                      </p:cBhvr>
+                                      <p:tavLst>
+                                        <p:tav tm="0">
+                                          <p:val>
+                                            <p:fltVal val="0"/>
+                                          </p:val>
+                                        </p:tav>
+                                        <p:tav tm="100000">
+                                          <p:val>
+                                            <p:strVal val="#ppt_h"/>
+                                          </p:val>
+                                        </p:tav>
+                                      </p:tavLst>
+                                    </p:anim>
+                                    <p:animEffect transition="in" filter="fade">
+                                      <p:cBhvr>
+                                        <p:cTn id="16" dur="500"/>
+                                        <p:tgtEl>
+                                          <p:spTgt spid="3">
+                                            <p:txEl>
+                                              <p:pRg st="1" end="1"/>
+                                            </p:txEl>
+                                          </p:spTgt>
+                                        </p:tgtEl>
+                                      </p:cBhvr>
+                                    </p:animEffect>
+                                  </p:childTnLst>
+                                </p:cTn>
+                              </p:par>
+                            </p:childTnLst>
+                          </p:cTn>
+                        </p:par>
+                      </p:childTnLst>
+                    </p:cTn>
+                  </p:par>
+                  <p:par>
+                    <p:cTn id="17" fill="hold">
+                      <p:stCondLst>
+                        <p:cond delay="indefinite"/>
+                      </p:stCondLst>
+                      <p:childTnLst>
+                        <p:par>
+                          <p:cTn id="18" fill="hold">
+                            <p:stCondLst>
+                              <p:cond delay="0"/>
+                            </p:stCondLst>
+                            <p:childTnLst>
+                              <p:par>
+                                <p:cTn id="19" presetID="53" presetClass="entr" presetSubtype="16" fill="hold" nodeType="clickEffect">
+                                  <p:stCondLst>
+                                    <p:cond delay="0"/>
+                                  </p:stCondLst>
+                                  <p:childTnLst>
+                                    <p:set>
+                                      <p:cBhvr>
+                                        <p:cTn id="20" dur="1" fill="hold">
+                                          <p:stCondLst>
+                                            <p:cond delay="0"/>
+                                          </p:stCondLst>
+                                        </p:cTn>
+                                        <p:tgtEl>
+                                          <p:spTgt spid="3">
+                                            <p:txEl>
+                                              <p:pRg st="2" end="2"/>
+                                            </p:txEl>
+                                          </p:spTgt>
+                                        </p:tgtEl>
+                                        <p:attrNameLst>
+                                          <p:attrName>style.visibility</p:attrName>
+                                        </p:attrNameLst>
+                                      </p:cBhvr>
+                                      <p:to>
+                                        <p:strVal val="visible"/>
+                                      </p:to>
+                                    </p:set>
+                                    <p:anim calcmode="lin" valueType="num">
+                                      <p:cBhvr>
+                                        <p:cTn id="21" dur="500" fill="hold"/>
+                                        <p:tgtEl>
+                                          <p:spTgt spid="3">
+                                            <p:txEl>
+                                              <p:pRg st="2" end="2"/>
+                                            </p:txEl>
+                                          </p:spTgt>
+                                        </p:tgtEl>
+                                        <p:attrNameLst>
+                                          <p:attrName>ppt_w</p:attrName>
+                                        </p:attrNameLst>
+                                      </p:cBhvr>
+                                      <p:tavLst>
+                                        <p:tav tm="0">
+                                          <p:val>
+                                            <p:fltVal val="0"/>
+                                          </p:val>
+                                        </p:tav>
+                                        <p:tav tm="100000">
+                                          <p:val>
+                                            <p:strVal val="#ppt_w"/>
+                                          </p:val>
+                                        </p:tav>
+                                      </p:tavLst>
+                                    </p:anim>
+                                    <p:anim calcmode="lin" valueType="num">
+                                      <p:cBhvr>
+                                        <p:cTn id="22" dur="500" fill="hold"/>
+                                        <p:tgtEl>
+                                          <p:spTgt spid="3">
+                                            <p:txEl>
+                                              <p:pRg st="2" end="2"/>
+                                            </p:txEl>
+                                          </p:spTgt>
+                                        </p:tgtEl>
+                                        <p:attrNameLst>
+                                          <p:attrName>ppt_h</p:attrName>
+                                        </p:attrNameLst>
+                                      </p:cBhvr>
+                                      <p:tavLst>
+                                        <p:tav tm="0">
+                                          <p:val>
+                                            <p:fltVal val="0"/>
+                                          </p:val>
+                                        </p:tav>
+                                        <p:tav tm="100000">
+                                          <p:val>
+                                            <p:strVal val="#ppt_h"/>
+                                          </p:val>
+                                        </p:tav>
+                                      </p:tavLst>
+                                    </p:anim>
+                                    <p:animEffect transition="in" filter="fade">
+                                      <p:cBhvr>
+                                        <p:cTn id="23" dur="500"/>
+                                        <p:tgtEl>
+                                          <p:spTgt spid="3">
+                                            <p:txEl>
+                                              <p:pRg st="2" end="2"/>
+                                            </p:txEl>
+                                          </p:spTgt>
+                                        </p:tgtEl>
+                                      </p:cBhvr>
+                                    </p:animEffect>
+                                  </p:childTnLst>
+                                </p:cTn>
+                              </p:par>
+                            </p:childTnLst>
+                          </p:cTn>
+                        </p:par>
+                      </p:childTnLst>
+                    </p:cTn>
+                  </p:par>
+                  <p:par>
+                    <p:cTn id="24" fill="hold">
+                      <p:stCondLst>
+                        <p:cond delay="indefinite"/>
+                      </p:stCondLst>
+                      <p:childTnLst>
+                        <p:par>
+                          <p:cTn id="25" fill="hold">
+                            <p:stCondLst>
+                              <p:cond delay="0"/>
+                            </p:stCondLst>
+                            <p:childTnLst>
+                              <p:par>
+                                <p:cTn id="26" presetID="53" presetClass="entr" presetSubtype="16" fill="hold" nodeType="clickEffect">
+                                  <p:stCondLst>
+                                    <p:cond delay="0"/>
+                                  </p:stCondLst>
+                                  <p:childTnLst>
+                                    <p:set>
+                                      <p:cBhvr>
+                                        <p:cTn id="27" dur="1" fill="hold">
+                                          <p:stCondLst>
+                                            <p:cond delay="0"/>
+                                          </p:stCondLst>
+                                        </p:cTn>
+                                        <p:tgtEl>
+                                          <p:spTgt spid="3">
+                                            <p:txEl>
+                                              <p:pRg st="3" end="3"/>
+                                            </p:txEl>
+                                          </p:spTgt>
+                                        </p:tgtEl>
+                                        <p:attrNameLst>
+                                          <p:attrName>style.visibility</p:attrName>
+                                        </p:attrNameLst>
+                                      </p:cBhvr>
+                                      <p:to>
+                                        <p:strVal val="visible"/>
+                                      </p:to>
+                                    </p:set>
+                                    <p:anim calcmode="lin" valueType="num">
+                                      <p:cBhvr>
+                                        <p:cTn id="28" dur="500" fill="hold"/>
+                                        <p:tgtEl>
+                                          <p:spTgt spid="3">
+                                            <p:txEl>
+                                              <p:pRg st="3" end="3"/>
+                                            </p:txEl>
+                                          </p:spTgt>
+                                        </p:tgtEl>
+                                        <p:attrNameLst>
+                                          <p:attrName>ppt_w</p:attrName>
+                                        </p:attrNameLst>
+                                      </p:cBhvr>
+                                      <p:tavLst>
+                                        <p:tav tm="0">
+                                          <p:val>
+                                            <p:fltVal val="0"/>
+                                          </p:val>
+                                        </p:tav>
+                                        <p:tav tm="100000">
+                                          <p:val>
+                                            <p:strVal val="#ppt_w"/>
+                                          </p:val>
+                                        </p:tav>
+                                      </p:tavLst>
+                                    </p:anim>
+                                    <p:anim calcmode="lin" valueType="num">
+                                      <p:cBhvr>
+                                        <p:cTn id="29" dur="500" fill="hold"/>
+                                        <p:tgtEl>
+                                          <p:spTgt spid="3">
+                                            <p:txEl>
+                                              <p:pRg st="3" end="3"/>
+                                            </p:txEl>
+                                          </p:spTgt>
+                                        </p:tgtEl>
+                                        <p:attrNameLst>
+                                          <p:attrName>ppt_h</p:attrName>
+                                        </p:attrNameLst>
+                                      </p:cBhvr>
+                                      <p:tavLst>
+                                        <p:tav tm="0">
+                                          <p:val>
+                                            <p:fltVal val="0"/>
+                                          </p:val>
+                                        </p:tav>
+                                        <p:tav tm="100000">
+                                          <p:val>
+                                            <p:strVal val="#ppt_h"/>
+                                          </p:val>
+                                        </p:tav>
+                                      </p:tavLst>
+                                    </p:anim>
+                                    <p:animEffect transition="in" filter="fade">
+                                      <p:cBhvr>
+                                        <p:cTn id="30" dur="500"/>
+                                        <p:tgtEl>
+                                          <p:spTgt spid="3">
+                                            <p:txEl>
+                                              <p:pRg st="3" end="3"/>
+                                            </p:txEl>
+                                          </p:spTgt>
+                                        </p:tgtEl>
+                                      </p:cBhvr>
+                                    </p:animEffect>
+                                  </p:childTnLst>
+                                </p:cTn>
+                              </p:par>
+                            </p:childTnLst>
+                          </p:cTn>
+                        </p:par>
+                      </p:childTnLst>
+                    </p:cTn>
+                  </p:par>
+                  <p:par>
+                    <p:cTn id="31" fill="hold">
+                      <p:stCondLst>
+                        <p:cond delay="indefinite"/>
+                      </p:stCondLst>
+                      <p:childTnLst>
+                        <p:par>
+                          <p:cTn id="32" fill="hold">
+                            <p:stCondLst>
+                              <p:cond delay="0"/>
+                            </p:stCondLst>
+                            <p:childTnLst>
+                              <p:par>
+                                <p:cTn id="33" presetID="53" presetClass="entr" presetSubtype="16" fill="hold" nodeType="clickEffect">
+                                  <p:stCondLst>
+                                    <p:cond delay="0"/>
+                                  </p:stCondLst>
+                                  <p:childTnLst>
+                                    <p:set>
+                                      <p:cBhvr>
+                                        <p:cTn id="34" dur="1" fill="hold">
+                                          <p:stCondLst>
+                                            <p:cond delay="0"/>
+                                          </p:stCondLst>
+                                        </p:cTn>
+                                        <p:tgtEl>
+                                          <p:spTgt spid="3">
+                                            <p:txEl>
+                                              <p:pRg st="4" end="4"/>
+                                            </p:txEl>
+                                          </p:spTgt>
+                                        </p:tgtEl>
+                                        <p:attrNameLst>
+                                          <p:attrName>style.visibility</p:attrName>
+                                        </p:attrNameLst>
+                                      </p:cBhvr>
+                                      <p:to>
+                                        <p:strVal val="visible"/>
+                                      </p:to>
+                                    </p:set>
+                                    <p:anim calcmode="lin" valueType="num">
+                                      <p:cBhvr>
+                                        <p:cTn id="35" dur="500" fill="hold"/>
+                                        <p:tgtEl>
+                                          <p:spTgt spid="3">
+                                            <p:txEl>
+                                              <p:pRg st="4" end="4"/>
+                                            </p:txEl>
+                                          </p:spTgt>
+                                        </p:tgtEl>
+                                        <p:attrNameLst>
+                                          <p:attrName>ppt_w</p:attrName>
+                                        </p:attrNameLst>
+                                      </p:cBhvr>
+                                      <p:tavLst>
+                                        <p:tav tm="0">
+                                          <p:val>
+                                            <p:fltVal val="0"/>
+                                          </p:val>
+                                        </p:tav>
+                                        <p:tav tm="100000">
+                                          <p:val>
+                                            <p:strVal val="#ppt_w"/>
+                                          </p:val>
+                                        </p:tav>
+                                      </p:tavLst>
+                                    </p:anim>
+                                    <p:anim calcmode="lin" valueType="num">
+                                      <p:cBhvr>
+                                        <p:cTn id="36" dur="500" fill="hold"/>
+                                        <p:tgtEl>
+                                          <p:spTgt spid="3">
+                                            <p:txEl>
+                                              <p:pRg st="4" end="4"/>
+                                            </p:txEl>
+                                          </p:spTgt>
+                                        </p:tgtEl>
+                                        <p:attrNameLst>
+                                          <p:attrName>ppt_h</p:attrName>
+                                        </p:attrNameLst>
+                                      </p:cBhvr>
+                                      <p:tavLst>
+                                        <p:tav tm="0">
+                                          <p:val>
+                                            <p:fltVal val="0"/>
+                                          </p:val>
+                                        </p:tav>
+                                        <p:tav tm="100000">
+                                          <p:val>
+                                            <p:strVal val="#ppt_h"/>
+                                          </p:val>
+                                        </p:tav>
+                                      </p:tavLst>
+                                    </p:anim>
+                                    <p:animEffect transition="in" filter="fade">
+                                      <p:cBhvr>
+                                        <p:cTn id="37" dur="500"/>
+                                        <p:tgtEl>
+                                          <p:spTgt spid="3">
+                                            <p:txEl>
+                                              <p:pRg st="4" end="4"/>
+                                            </p:txEl>
+                                          </p:spTgt>
+                                        </p:tgtEl>
+                                      </p:cBhvr>
+                                    </p:animEffect>
+                                  </p:childTnLst>
+                                </p:cTn>
+                              </p:par>
+                            </p:childTnLst>
+                          </p:cTn>
+                        </p:par>
+                      </p:childTnLst>
+                    </p:cTn>
+                  </p:par>
+                </p:childTnLst>
+              </p:cTn>
+              <p:prevCondLst>
+                <p:cond evt="onPrev" delay="0">
+                  <p:tgtEl>
+                    <p:sldTgt/>
+                  </p:tgtEl>
+                </p:cond>
+              </p:prevCondLst>
+              <p:nextCondLst>
+                <p:cond evt="onNext" delay="0">
+                  <p:tgtEl>
+                    <p:sldTgt/>
+                  </p:tgtEl>
+                </p:cond>
+              </p:nextCondLst>
+            </p:seq>
+          </p:childTnLst>
+        </p:cTn>
+      </p:par>
+    </p:tnLst>
+  </p:timing>
+</p:sld>
+</file>
+
+<file path=ppt/slides/slide4.xml><?xml version="1.0" encoding="utf-8"?>
+<p:sld xmlns:a="http://schemas.openxmlformats.org/drawingml/2006/main" xmlns:r="http://schemas.openxmlformats.org/officeDocument/2006/relationships" xmlns:p="http://schemas.openxmlformats.org/presentationml/2006/main">
+  <p:cSld>
+    <p:spTree>
+      <p:nvGrpSpPr>
+        <p:cNvPr id="1" name=""/>
+        <p:cNvGrpSpPr/>
+        <p:nvPr/>
+      </p:nvGrpSpPr>
+      <p:grpSpPr>
+        <a:xfrm>
+          <a:off x="0" y="0"/>
+          <a:ext cx="0" cy="0"/>
+          <a:chOff x="0" y="0"/>
+          <a:chExt cx="0" cy="0"/>
+        </a:xfrm>
+      </p:grpSpPr>
+      <p:sp>
+        <p:nvSpPr>
+          <p:cNvPr id="2" name="Title 1">
+            <a:extLst>
+              <a:ext uri="{FF2B5EF4-FFF2-40B4-BE49-F238E27FC236}">
+                <a16:creationId xmlns:a16="http://schemas.microsoft.com/office/drawing/2014/main" id="{F6BC4DF2-D6F6-498C-AD8D-25426BBBBF8F}"/>
+              </a:ext>
+            </a:extLst>
+          </p:cNvPr>
+          <p:cNvSpPr>
+            <a:spLocks noGrp="1"/>
+          </p:cNvSpPr>
+          <p:nvPr>
+            <p:ph type="title"/>
+          </p:nvPr>
+        </p:nvSpPr>
+        <p:spPr/>
+        <p:txBody>
+          <a:bodyPr/>
+          <a:lstStyle/>
+          <a:p>
+            <a:r>
+              <a:rPr lang="en-US" dirty="0"/>
+              <a:t>Statement of problem (sop)</a:t>
+            </a:r>
+          </a:p>
+        </p:txBody>
+      </p:sp>
+      <p:sp>
+        <p:nvSpPr>
+          <p:cNvPr id="3" name="Content Placeholder 2">
+            <a:extLst>
+              <a:ext uri="{FF2B5EF4-FFF2-40B4-BE49-F238E27FC236}">
+                <a16:creationId xmlns:a16="http://schemas.microsoft.com/office/drawing/2014/main" id="{07278DF4-399E-1AD8-9229-7A01281DFED1}"/>
+              </a:ext>
+            </a:extLst>
+          </p:cNvPr>
+          <p:cNvSpPr>
+            <a:spLocks noGrp="1"/>
+          </p:cNvSpPr>
+          <p:nvPr>
+            <p:ph idx="1"/>
+          </p:nvPr>
+        </p:nvSpPr>
+        <p:spPr/>
+        <p:txBody>
+          <a:bodyPr>
+            <a:normAutofit/>
+          </a:bodyPr>
+          <a:lstStyle/>
+          <a:p>
+            <a:pPr marL="0" indent="0">
+              <a:buNone/>
+            </a:pPr>
+            <a:r>
+              <a:rPr lang="en-US" dirty="0"/>
+              <a:t>Some potential problems and challenges in restaurant management system are:</a:t>
+            </a:r>
+          </a:p>
+          <a:p>
+            <a:r>
+              <a:rPr lang="en-US" sz="1800" b="1" dirty="0">
+                <a:solidFill>
+                  <a:srgbClr val="000000"/>
+                </a:solidFill>
+                <a:effectLst/>
+                <a:latin typeface="+mj-lt"/>
+                <a:ea typeface="Calibri" panose="020F0502020204030204" pitchFamily="34" charset="0"/>
+                <a:cs typeface="Times New Roman" panose="02020603050405020304" pitchFamily="18" charset="0"/>
+              </a:rPr>
+              <a:t>Inaccurate inventory management:</a:t>
+            </a:r>
+            <a:r>
+              <a:rPr lang="en-US" sz="1800" dirty="0">
+                <a:solidFill>
+                  <a:srgbClr val="000000"/>
+                </a:solidFill>
+                <a:effectLst/>
+                <a:latin typeface="Times New Roman" panose="02020603050405020304" pitchFamily="18" charset="0"/>
+                <a:ea typeface="Calibri" panose="020F0502020204030204" pitchFamily="34" charset="0"/>
+              </a:rPr>
+              <a:t> </a:t>
+            </a:r>
+          </a:p>
+          <a:p>
+            <a:pPr marL="457200" lvl="1" indent="0">
+              <a:buNone/>
+            </a:pPr>
+            <a:r>
+              <a:rPr lang="en-US" dirty="0">
+                <a:solidFill>
+                  <a:srgbClr val="000000"/>
+                </a:solidFill>
+                <a:latin typeface="+mj-lt"/>
+                <a:ea typeface="Calibri" panose="020F0502020204030204" pitchFamily="34" charset="0"/>
+              </a:rPr>
+              <a:t>O</a:t>
+            </a:r>
+            <a:r>
+              <a:rPr lang="en-US" dirty="0">
+                <a:solidFill>
+                  <a:srgbClr val="000000"/>
+                </a:solidFill>
+                <a:effectLst/>
+                <a:latin typeface="+mj-lt"/>
+                <a:ea typeface="Calibri" panose="020F0502020204030204" pitchFamily="34" charset="0"/>
+              </a:rPr>
+              <a:t>verstocking or stock shortages, which can lead to wasted food, increased costs, and lost revenue.</a:t>
+            </a:r>
+            <a:endParaRPr lang="en-US" b="1" dirty="0">
+              <a:solidFill>
+                <a:srgbClr val="000000"/>
+              </a:solidFill>
+              <a:latin typeface="+mj-lt"/>
+              <a:ea typeface="Calibri" panose="020F0502020204030204" pitchFamily="34" charset="0"/>
+              <a:cs typeface="Times New Roman" panose="02020603050405020304" pitchFamily="18" charset="0"/>
+            </a:endParaRPr>
+          </a:p>
+          <a:p>
+            <a:r>
+              <a:rPr lang="en-US" sz="1800" b="1" dirty="0">
+                <a:effectLst/>
+                <a:latin typeface="+mj-lt"/>
+                <a:ea typeface="Calibri" panose="020F0502020204030204" pitchFamily="34" charset="0"/>
+                <a:cs typeface="Times New Roman" panose="02020603050405020304" pitchFamily="18" charset="0"/>
+              </a:rPr>
+              <a:t>Poor customer service :</a:t>
+            </a:r>
+          </a:p>
+          <a:p>
+            <a:pPr marL="457200" lvl="1" indent="0">
+              <a:buNone/>
+            </a:pPr>
+            <a:r>
+              <a:rPr lang="en-US" sz="1600" b="1" dirty="0">
+                <a:effectLst/>
+                <a:latin typeface="+mj-lt"/>
+                <a:ea typeface="Calibri" panose="020F0502020204030204" pitchFamily="34" charset="0"/>
+                <a:cs typeface="Times New Roman" panose="02020603050405020304" pitchFamily="18" charset="0"/>
+              </a:rPr>
+              <a:t> </a:t>
+            </a:r>
+            <a:r>
+              <a:rPr lang="en-US" dirty="0">
+                <a:solidFill>
+                  <a:srgbClr val="000000"/>
+                </a:solidFill>
+                <a:effectLst/>
+                <a:ea typeface="Calibri" panose="020F0502020204030204" pitchFamily="34" charset="0"/>
+                <a:cs typeface="Times New Roman" panose="02020603050405020304" pitchFamily="18" charset="0"/>
+              </a:rPr>
+              <a:t>Long wait times, inaccurate orders, and other service-related issues can lead to customer dissatisfaction and negative reviews, which can harm the restaurant's reputation and profitability.</a:t>
+            </a:r>
+            <a:endParaRPr lang="en-US" dirty="0">
+              <a:effectLst/>
+              <a:ea typeface="Calibri" panose="020F0502020204030204" pitchFamily="34" charset="0"/>
+              <a:cs typeface="Times New Roman" panose="02020603050405020304" pitchFamily="18" charset="0"/>
+            </a:endParaRPr>
+          </a:p>
+          <a:p>
+            <a:pPr marL="0" indent="0">
+              <a:buNone/>
+            </a:pPr>
+            <a:endParaRPr lang="en-US" sz="1800" dirty="0">
+              <a:effectLst/>
+              <a:latin typeface="+mj-lt"/>
+              <a:ea typeface="Calibri" panose="020F0502020204030204" pitchFamily="34" charset="0"/>
+              <a:cs typeface="Times New Roman" panose="02020603050405020304" pitchFamily="18" charset="0"/>
+            </a:endParaRPr>
+          </a:p>
+        </p:txBody>
+      </p:sp>
+    </p:spTree>
+    <p:extLst>
+      <p:ext uri="{BB962C8B-B14F-4D97-AF65-F5344CB8AC3E}">
+        <p14:creationId xmlns:p14="http://schemas.microsoft.com/office/powerpoint/2010/main" val="4165603280"/>
+      </p:ext>
+    </p:extLst>
+  </p:cSld>
+  <p:clrMapOvr>
+    <a:masterClrMapping/>
+  </p:clrMapOvr>
+</p:sld>
+</file>
+
+<file path=ppt/slides/slide5.xml><?xml version="1.0" encoding="utf-8"?>
+<p:sld xmlns:a="http://schemas.openxmlformats.org/drawingml/2006/main" xmlns:r="http://schemas.openxmlformats.org/officeDocument/2006/relationships" xmlns:p="http://schemas.openxmlformats.org/presentationml/2006/main">
+  <p:cSld>
+    <p:spTree>
+      <p:nvGrpSpPr>
+        <p:cNvPr id="1" name=""/>
+        <p:cNvGrpSpPr/>
+        <p:nvPr/>
+      </p:nvGrpSpPr>
+      <p:grpSpPr>
+        <a:xfrm>
+          <a:off x="0" y="0"/>
+          <a:ext cx="0" cy="0"/>
+          <a:chOff x="0" y="0"/>
+          <a:chExt cx="0" cy="0"/>
+        </a:xfrm>
+      </p:grpSpPr>
+      <p:sp>
+        <p:nvSpPr>
+          <p:cNvPr id="2" name="Title 1">
+            <a:extLst>
+              <a:ext uri="{FF2B5EF4-FFF2-40B4-BE49-F238E27FC236}">
+                <a16:creationId xmlns:a16="http://schemas.microsoft.com/office/drawing/2014/main" id="{D90C94A1-2ED2-7539-1885-46AB77FDA50C}"/>
+              </a:ext>
+            </a:extLst>
+          </p:cNvPr>
+          <p:cNvSpPr>
+            <a:spLocks noGrp="1"/>
+          </p:cNvSpPr>
+          <p:nvPr>
+            <p:ph type="title"/>
+          </p:nvPr>
+        </p:nvSpPr>
+        <p:spPr/>
+        <p:txBody>
+          <a:bodyPr/>
+          <a:lstStyle/>
+          <a:p>
+            <a:r>
+              <a:rPr lang="en-US" dirty="0"/>
+              <a:t>objective</a:t>
+            </a:r>
+          </a:p>
+        </p:txBody>
+      </p:sp>
+      <p:sp>
+        <p:nvSpPr>
+          <p:cNvPr id="3" name="Content Placeholder 2">
+            <a:extLst>
+              <a:ext uri="{FF2B5EF4-FFF2-40B4-BE49-F238E27FC236}">
+                <a16:creationId xmlns:a16="http://schemas.microsoft.com/office/drawing/2014/main" id="{B9F486AB-D6AD-D2E0-D4E9-B396E55FA4AD}"/>
+              </a:ext>
+            </a:extLst>
+          </p:cNvPr>
+          <p:cNvSpPr>
+            <a:spLocks noGrp="1"/>
+          </p:cNvSpPr>
+          <p:nvPr>
+            <p:ph idx="1"/>
+          </p:nvPr>
+        </p:nvSpPr>
+        <p:spPr/>
+        <p:txBody>
+          <a:bodyPr>
+            <a:normAutofit/>
+          </a:bodyPr>
+          <a:lstStyle/>
+          <a:p>
+            <a:pPr marL="800100" lvl="1" indent="-342900" algn="just" fontAlgn="base">
+              <a:spcBef>
+                <a:spcPts val="0"/>
+              </a:spcBef>
+              <a:spcAft>
+                <a:spcPts val="1500"/>
+              </a:spcAft>
+              <a:buFont typeface="Symbol" panose="05050102010706020507" pitchFamily="18" charset="2"/>
+              <a:buChar char=""/>
+            </a:pPr>
+            <a:r>
+              <a:rPr lang="en-US" spc="75" dirty="0">
+                <a:solidFill>
+                  <a:srgbClr val="000000"/>
+                </a:solidFill>
+                <a:effectLst/>
+                <a:ea typeface="Times New Roman" panose="02020603050405020304" pitchFamily="18" charset="0"/>
+              </a:rPr>
+              <a:t>To maximize profit by increasing efficiency without compromising customer satisfaction.</a:t>
+            </a:r>
+            <a:endParaRPr lang="en-US" dirty="0">
+              <a:effectLst/>
+              <a:ea typeface="Times New Roman" panose="02020603050405020304" pitchFamily="18" charset="0"/>
+            </a:endParaRPr>
+          </a:p>
+          <a:p>
+            <a:pPr marL="800100" lvl="1" indent="-342900">
+              <a:lnSpc>
+                <a:spcPct val="115000"/>
+              </a:lnSpc>
+              <a:spcBef>
+                <a:spcPts val="0"/>
+              </a:spcBef>
+              <a:spcAft>
+                <a:spcPts val="1000"/>
+              </a:spcAft>
+              <a:buFont typeface="Symbol" panose="05050102010706020507" pitchFamily="18" charset="2"/>
+              <a:buChar char=""/>
+              <a:tabLst>
+                <a:tab pos="971550" algn="l"/>
+              </a:tabLst>
+            </a:pPr>
+            <a:r>
+              <a:rPr lang="en-US" dirty="0">
+                <a:effectLst/>
+                <a:ea typeface="Calibri" panose="020F0502020204030204" pitchFamily="34" charset="0"/>
+                <a:cs typeface="Times New Roman" panose="02020603050405020304" pitchFamily="18" charset="0"/>
+              </a:rPr>
+              <a:t>To </a:t>
+            </a:r>
+            <a:r>
+              <a:rPr lang="en-US" dirty="0">
+                <a:solidFill>
+                  <a:srgbClr val="000000"/>
+                </a:solidFill>
+                <a:effectLst/>
+                <a:ea typeface="Calibri" panose="020F0502020204030204" pitchFamily="34" charset="0"/>
+                <a:cs typeface="Times New Roman" panose="02020603050405020304" pitchFamily="18" charset="0"/>
+              </a:rPr>
+              <a:t>reduce the time and cost associated with restaurant management </a:t>
+            </a:r>
+          </a:p>
+          <a:p>
+            <a:pPr marL="800100" lvl="1" indent="-342900">
+              <a:lnSpc>
+                <a:spcPct val="115000"/>
+              </a:lnSpc>
+              <a:spcBef>
+                <a:spcPts val="0"/>
+              </a:spcBef>
+              <a:spcAft>
+                <a:spcPts val="1000"/>
+              </a:spcAft>
+              <a:buFont typeface="Symbol" panose="05050102010706020507" pitchFamily="18" charset="2"/>
+              <a:buChar char=""/>
+              <a:tabLst>
+                <a:tab pos="971550" algn="l"/>
+              </a:tabLst>
+            </a:pPr>
+            <a:r>
+              <a:rPr lang="en-US" spc="75" dirty="0">
+                <a:solidFill>
+                  <a:srgbClr val="000000"/>
+                </a:solidFill>
+                <a:effectLst/>
+                <a:ea typeface="Times New Roman" panose="02020603050405020304" pitchFamily="18" charset="0"/>
+              </a:rPr>
+              <a:t>To reduce paper-based system and improve communication.</a:t>
+            </a:r>
+            <a:endParaRPr lang="en-US" dirty="0">
+              <a:effectLst/>
+              <a:ea typeface="Times New Roman" panose="02020603050405020304" pitchFamily="18" charset="0"/>
+            </a:endParaRPr>
+          </a:p>
+          <a:p>
+            <a:pPr marL="800100" lvl="1" indent="-342900" algn="just" fontAlgn="base">
+              <a:spcBef>
+                <a:spcPts val="0"/>
+              </a:spcBef>
+              <a:spcAft>
+                <a:spcPts val="1500"/>
+              </a:spcAft>
+              <a:buFont typeface="Symbol" panose="05050102010706020507" pitchFamily="18" charset="2"/>
+              <a:buChar char=""/>
+            </a:pPr>
+            <a:r>
+              <a:rPr lang="en-US" spc="75" dirty="0">
+                <a:solidFill>
+                  <a:srgbClr val="000000"/>
+                </a:solidFill>
+                <a:effectLst/>
+                <a:ea typeface="Times New Roman" panose="02020603050405020304" pitchFamily="18" charset="0"/>
+              </a:rPr>
+              <a:t>To provide fast and efficient services to the customer.</a:t>
+            </a:r>
+            <a:endParaRPr lang="en-US" dirty="0">
+              <a:effectLst/>
+              <a:ea typeface="Times New Roman" panose="02020603050405020304" pitchFamily="18" charset="0"/>
+            </a:endParaRPr>
+          </a:p>
+          <a:p>
+            <a:pPr marL="800100" lvl="1" indent="-342900">
+              <a:lnSpc>
+                <a:spcPct val="115000"/>
+              </a:lnSpc>
+              <a:spcBef>
+                <a:spcPts val="0"/>
+              </a:spcBef>
+              <a:spcAft>
+                <a:spcPts val="1000"/>
+              </a:spcAft>
+              <a:buFont typeface="Symbol" panose="05050102010706020507" pitchFamily="18" charset="2"/>
+              <a:buChar char=""/>
+              <a:tabLst>
+                <a:tab pos="971550" algn="l"/>
+              </a:tabLst>
+            </a:pPr>
+            <a:r>
+              <a:rPr lang="en-US" dirty="0">
+                <a:effectLst/>
+                <a:ea typeface="Calibri" panose="020F0502020204030204" pitchFamily="34" charset="0"/>
+                <a:cs typeface="Times New Roman" panose="02020603050405020304" pitchFamily="18" charset="0"/>
+              </a:rPr>
+              <a:t>To manage orders, track inventory and generate bills in real-time.</a:t>
+            </a:r>
+          </a:p>
+          <a:p>
+            <a:endParaRPr lang="en-US" dirty="0"/>
+          </a:p>
+        </p:txBody>
+      </p:sp>
+    </p:spTree>
+    <p:extLst>
+      <p:ext uri="{BB962C8B-B14F-4D97-AF65-F5344CB8AC3E}">
+        <p14:creationId xmlns:p14="http://schemas.microsoft.com/office/powerpoint/2010/main" val="3413247511"/>
+      </p:ext>
+    </p:extLst>
+  </p:cSld>
+  <p:clrMapOvr>
+    <a:masterClrMapping/>
+  </p:clrMapOvr>
+</p:sld>
+</file>
+
+<file path=ppt/slides/slide6.xml><?xml version="1.0" encoding="utf-8"?>
+<p:sld xmlns:a="http://schemas.openxmlformats.org/drawingml/2006/main" xmlns:r="http://schemas.openxmlformats.org/officeDocument/2006/relationships" xmlns:p="http://schemas.openxmlformats.org/presentationml/2006/main">
+  <p:cSld>
+    <p:spTree>
+      <p:nvGrpSpPr>
+        <p:cNvPr id="1" name=""/>
+        <p:cNvGrpSpPr/>
+        <p:nvPr/>
+      </p:nvGrpSpPr>
+      <p:grpSpPr>
+        <a:xfrm>
+          <a:off x="0" y="0"/>
+          <a:ext cx="0" cy="0"/>
+          <a:chOff x="0" y="0"/>
+          <a:chExt cx="0" cy="0"/>
+        </a:xfrm>
+      </p:grpSpPr>
+      <p:sp>
+        <p:nvSpPr>
+          <p:cNvPr id="2" name="Title 1">
+            <a:extLst>
+              <a:ext uri="{FF2B5EF4-FFF2-40B4-BE49-F238E27FC236}">
+                <a16:creationId xmlns:a16="http://schemas.microsoft.com/office/drawing/2014/main" id="{A71A05B9-3751-B5CE-0817-FC2BBEA1F5DD}"/>
+              </a:ext>
+            </a:extLst>
+          </p:cNvPr>
+          <p:cNvSpPr>
+            <a:spLocks noGrp="1"/>
+          </p:cNvSpPr>
+          <p:nvPr>
+            <p:ph type="title"/>
+          </p:nvPr>
+        </p:nvSpPr>
+        <p:spPr/>
+        <p:txBody>
+          <a:bodyPr/>
+          <a:lstStyle/>
+          <a:p>
+            <a:r>
+              <a:rPr lang="en-US" dirty="0"/>
+              <a:t>Use case design</a:t>
+            </a:r>
+          </a:p>
+        </p:txBody>
+      </p:sp>
+      <p:pic>
+        <p:nvPicPr>
+          <p:cNvPr id="4" name="Content Placeholder 3">
+            <a:extLst>
+              <a:ext uri="{FF2B5EF4-FFF2-40B4-BE49-F238E27FC236}">
+                <a16:creationId xmlns:a16="http://schemas.microsoft.com/office/drawing/2014/main" id="{99CBDB8B-3C20-B7FA-9928-36864F08AB6B}"/>
+              </a:ext>
+            </a:extLst>
+          </p:cNvPr>
+          <p:cNvPicPr>
+            <a:picLocks noGrp="1" noChangeAspect="1"/>
+          </p:cNvPicPr>
+          <p:nvPr>
+            <p:ph idx="1"/>
+          </p:nvPr>
+        </p:nvPicPr>
+        <p:blipFill>
+          <a:blip r:embed="rId2"/>
+          <a:stretch>
+            <a:fillRect/>
+          </a:stretch>
+        </p:blipFill>
+        <p:spPr>
+          <a:xfrm>
+            <a:off x="4758519" y="2016125"/>
+            <a:ext cx="2989287" cy="3449638"/>
+          </a:xfrm>
+          <a:prstGeom prst="rect">
+            <a:avLst/>
+          </a:prstGeom>
+        </p:spPr>
+      </p:pic>
+    </p:spTree>
+    <p:extLst>
+      <p:ext uri="{BB962C8B-B14F-4D97-AF65-F5344CB8AC3E}">
+        <p14:creationId xmlns:p14="http://schemas.microsoft.com/office/powerpoint/2010/main" val="4216295897"/>
+      </p:ext>
+    </p:extLst>
+  </p:cSld>
+  <p:clrMapOvr>
+    <a:masterClrMapping/>
+  </p:clrMapOvr>
+</p:sld>
+</file>
+
+<file path=ppt/slides/slide7.xml><?xml version="1.0" encoding="utf-8"?>
+<p:sld xmlns:a="http://schemas.openxmlformats.org/drawingml/2006/main" xmlns:r="http://schemas.openxmlformats.org/officeDocument/2006/relationships" xmlns:p="http://schemas.openxmlformats.org/presentationml/2006/main">
+  <p:cSld>
+    <p:spTree>
+      <p:nvGrpSpPr>
+        <p:cNvPr id="1" name=""/>
+        <p:cNvGrpSpPr/>
+        <p:nvPr/>
+      </p:nvGrpSpPr>
+      <p:grpSpPr>
+        <a:xfrm>
+          <a:off x="0" y="0"/>
+          <a:ext cx="0" cy="0"/>
+          <a:chOff x="0" y="0"/>
+          <a:chExt cx="0" cy="0"/>
+        </a:xfrm>
+      </p:grpSpPr>
+      <p:sp>
+        <p:nvSpPr>
+          <p:cNvPr id="2" name="Title 1">
+            <a:extLst>
+              <a:ext uri="{FF2B5EF4-FFF2-40B4-BE49-F238E27FC236}">
                 <a16:creationId xmlns:a16="http://schemas.microsoft.com/office/drawing/2014/main" id="{BC568FAF-694B-2EF8-EEAB-F86D83CB7D73}"/>
               </a:ext>
             </a:extLst>
@@ -3864,2039 +5917,6 @@
 </p:sld>
 </file>
 
-<file path=ppt/slides/slide11.xml><?xml version="1.0" encoding="utf-8"?>
-<p:sld xmlns:a="http://schemas.openxmlformats.org/drawingml/2006/main" xmlns:r="http://schemas.openxmlformats.org/officeDocument/2006/relationships" xmlns:p="http://schemas.openxmlformats.org/presentationml/2006/main">
-  <p:cSld>
-    <p:spTree>
-      <p:nvGrpSpPr>
-        <p:cNvPr id="1" name=""/>
-        <p:cNvGrpSpPr/>
-        <p:nvPr/>
-      </p:nvGrpSpPr>
-      <p:grpSpPr>
-        <a:xfrm>
-          <a:off x="0" y="0"/>
-          <a:ext cx="0" cy="0"/>
-          <a:chOff x="0" y="0"/>
-          <a:chExt cx="0" cy="0"/>
-        </a:xfrm>
-      </p:grpSpPr>
-      <p:sp>
-        <p:nvSpPr>
-          <p:cNvPr id="2" name="Title 1">
-            <a:extLst>
-              <a:ext uri="{FF2B5EF4-FFF2-40B4-BE49-F238E27FC236}">
-                <a16:creationId xmlns:a16="http://schemas.microsoft.com/office/drawing/2014/main" id="{8367BC6A-94E1-21A2-8205-FCBF96ABD7C3}"/>
-              </a:ext>
-            </a:extLst>
-          </p:cNvPr>
-          <p:cNvSpPr>
-            <a:spLocks noGrp="1"/>
-          </p:cNvSpPr>
-          <p:nvPr>
-            <p:ph type="title"/>
-          </p:nvPr>
-        </p:nvSpPr>
-        <p:spPr/>
-        <p:txBody>
-          <a:bodyPr/>
-          <a:lstStyle/>
-          <a:p>
-            <a:r>
-              <a:rPr lang="en-US" dirty="0"/>
-              <a:t>Implementation</a:t>
-            </a:r>
-          </a:p>
-        </p:txBody>
-      </p:sp>
-      <p:sp>
-        <p:nvSpPr>
-          <p:cNvPr id="3" name="Content Placeholder 2">
-            <a:extLst>
-              <a:ext uri="{FF2B5EF4-FFF2-40B4-BE49-F238E27FC236}">
-                <a16:creationId xmlns:a16="http://schemas.microsoft.com/office/drawing/2014/main" id="{B63ACB15-A992-D6BE-2A56-7B7AF29FBA27}"/>
-              </a:ext>
-            </a:extLst>
-          </p:cNvPr>
-          <p:cNvSpPr>
-            <a:spLocks noGrp="1"/>
-          </p:cNvSpPr>
-          <p:nvPr>
-            <p:ph idx="1"/>
-          </p:nvPr>
-        </p:nvSpPr>
-        <p:spPr/>
-        <p:txBody>
-          <a:bodyPr/>
-          <a:lstStyle/>
-          <a:p>
-            <a:r>
-              <a:rPr lang="en-US" sz="2400" dirty="0"/>
-              <a:t>Software requirement</a:t>
-            </a:r>
-          </a:p>
-          <a:p>
-            <a:pPr marL="0" indent="0">
-              <a:buNone/>
-            </a:pPr>
-            <a:r>
-              <a:rPr lang="en-US" sz="1800" dirty="0">
-                <a:latin typeface="Times New Roman" panose="02020603050405020304" pitchFamily="18" charset="0"/>
-                <a:ea typeface="Calibri" panose="020F0502020204030204" pitchFamily="34" charset="0"/>
-                <a:cs typeface="Times New Roman" panose="02020603050405020304" pitchFamily="18" charset="0"/>
-              </a:rPr>
-              <a:t>	</a:t>
-            </a:r>
-            <a:r>
-              <a:rPr lang="en-US" dirty="0">
-                <a:effectLst/>
-                <a:ea typeface="Calibri" panose="020F0502020204030204" pitchFamily="34" charset="0"/>
-                <a:cs typeface="Times New Roman" panose="02020603050405020304" pitchFamily="18" charset="0"/>
-              </a:rPr>
-              <a:t>There are numerous of software used in the development of this system.</a:t>
-            </a:r>
-            <a:r>
-              <a:rPr lang="en-US" dirty="0">
-                <a:ea typeface="Calibri" panose="020F0502020204030204" pitchFamily="34" charset="0"/>
-                <a:cs typeface="Times New Roman" panose="02020603050405020304" pitchFamily="18" charset="0"/>
-              </a:rPr>
-              <a:t> </a:t>
-            </a:r>
-            <a:r>
-              <a:rPr lang="en-US" dirty="0">
-                <a:effectLst/>
-                <a:ea typeface="Calibri" panose="020F0502020204030204" pitchFamily="34" charset="0"/>
-                <a:cs typeface="Times New Roman" panose="02020603050405020304" pitchFamily="18" charset="0"/>
-              </a:rPr>
-              <a:t>Basic Software requirements necessary for the smooth functioning of this project are as follows:</a:t>
-            </a:r>
-          </a:p>
-          <a:p>
-            <a:pPr lvl="1">
-              <a:buFont typeface="Wingdings" panose="05000000000000000000" pitchFamily="2" charset="2"/>
-              <a:buChar char="ü"/>
-            </a:pPr>
-            <a:r>
-              <a:rPr lang="en-US" dirty="0">
-                <a:ea typeface="Calibri" panose="020F0502020204030204" pitchFamily="34" charset="0"/>
-                <a:cs typeface="Times New Roman" panose="02020603050405020304" pitchFamily="18" charset="0"/>
-              </a:rPr>
-              <a:t>Operating system: Any (Windows, Linux, MacOS)</a:t>
-            </a:r>
-          </a:p>
-          <a:p>
-            <a:pPr lvl="1">
-              <a:buFont typeface="Wingdings" panose="05000000000000000000" pitchFamily="2" charset="2"/>
-              <a:buChar char="ü"/>
-            </a:pPr>
-            <a:r>
-              <a:rPr lang="en-US" dirty="0">
-                <a:effectLst/>
-                <a:ea typeface="Calibri" panose="020F0502020204030204" pitchFamily="34" charset="0"/>
-                <a:cs typeface="Times New Roman" panose="02020603050405020304" pitchFamily="18" charset="0"/>
-              </a:rPr>
-              <a:t>Text Editor</a:t>
-            </a:r>
-          </a:p>
-          <a:p>
-            <a:pPr lvl="1">
-              <a:buFont typeface="Wingdings" panose="05000000000000000000" pitchFamily="2" charset="2"/>
-              <a:buChar char="ü"/>
-            </a:pPr>
-            <a:r>
-              <a:rPr lang="en-US" dirty="0">
-                <a:ea typeface="Calibri" panose="020F0502020204030204" pitchFamily="34" charset="0"/>
-                <a:cs typeface="Times New Roman" panose="02020603050405020304" pitchFamily="18" charset="0"/>
-              </a:rPr>
-              <a:t>Web Browser: Any</a:t>
-            </a:r>
-          </a:p>
-          <a:p>
-            <a:pPr marL="457200" lvl="1" indent="0">
-              <a:buNone/>
-            </a:pPr>
-            <a:endParaRPr lang="en-US" sz="1600" dirty="0">
-              <a:effectLst/>
-              <a:latin typeface="Calibri" panose="020F0502020204030204" pitchFamily="34" charset="0"/>
-              <a:ea typeface="Calibri" panose="020F0502020204030204" pitchFamily="34" charset="0"/>
-              <a:cs typeface="Times New Roman" panose="02020603050405020304" pitchFamily="18" charset="0"/>
-            </a:endParaRPr>
-          </a:p>
-          <a:p>
-            <a:endParaRPr lang="en-US" sz="2200" dirty="0"/>
-          </a:p>
-          <a:p>
-            <a:pPr marL="0" indent="0">
-              <a:buNone/>
-            </a:pPr>
-            <a:endParaRPr lang="en-US" dirty="0"/>
-          </a:p>
-        </p:txBody>
-      </p:sp>
-    </p:spTree>
-    <p:extLst>
-      <p:ext uri="{BB962C8B-B14F-4D97-AF65-F5344CB8AC3E}">
-        <p14:creationId xmlns:p14="http://schemas.microsoft.com/office/powerpoint/2010/main" val="144741933"/>
-      </p:ext>
-    </p:extLst>
-  </p:cSld>
-  <p:clrMapOvr>
-    <a:masterClrMapping/>
-  </p:clrMapOvr>
-</p:sld>
-</file>
-
-<file path=ppt/slides/slide12.xml><?xml version="1.0" encoding="utf-8"?>
-<p:sld xmlns:a="http://schemas.openxmlformats.org/drawingml/2006/main" xmlns:r="http://schemas.openxmlformats.org/officeDocument/2006/relationships" xmlns:p="http://schemas.openxmlformats.org/presentationml/2006/main">
-  <p:cSld>
-    <p:spTree>
-      <p:nvGrpSpPr>
-        <p:cNvPr id="1" name=""/>
-        <p:cNvGrpSpPr/>
-        <p:nvPr/>
-      </p:nvGrpSpPr>
-      <p:grpSpPr>
-        <a:xfrm>
-          <a:off x="0" y="0"/>
-          <a:ext cx="0" cy="0"/>
-          <a:chOff x="0" y="0"/>
-          <a:chExt cx="0" cy="0"/>
-        </a:xfrm>
-      </p:grpSpPr>
-      <p:sp>
-        <p:nvSpPr>
-          <p:cNvPr id="2" name="Title 1">
-            <a:extLst>
-              <a:ext uri="{FF2B5EF4-FFF2-40B4-BE49-F238E27FC236}">
-                <a16:creationId xmlns:a16="http://schemas.microsoft.com/office/drawing/2014/main" id="{C22765E1-D8D5-F7C0-1AD4-4B8E17A3C7B9}"/>
-              </a:ext>
-            </a:extLst>
-          </p:cNvPr>
-          <p:cNvSpPr>
-            <a:spLocks noGrp="1"/>
-          </p:cNvSpPr>
-          <p:nvPr>
-            <p:ph type="title"/>
-          </p:nvPr>
-        </p:nvSpPr>
-        <p:spPr/>
-        <p:txBody>
-          <a:bodyPr/>
-          <a:lstStyle/>
-          <a:p>
-            <a:r>
-              <a:rPr lang="en-US" dirty="0"/>
-              <a:t>implementation</a:t>
-            </a:r>
-          </a:p>
-        </p:txBody>
-      </p:sp>
-      <p:sp>
-        <p:nvSpPr>
-          <p:cNvPr id="3" name="Content Placeholder 2">
-            <a:extLst>
-              <a:ext uri="{FF2B5EF4-FFF2-40B4-BE49-F238E27FC236}">
-                <a16:creationId xmlns:a16="http://schemas.microsoft.com/office/drawing/2014/main" id="{2EF393D1-C489-4AB8-8D15-C82D3168D54C}"/>
-              </a:ext>
-            </a:extLst>
-          </p:cNvPr>
-          <p:cNvSpPr>
-            <a:spLocks noGrp="1"/>
-          </p:cNvSpPr>
-          <p:nvPr>
-            <p:ph idx="1"/>
-          </p:nvPr>
-        </p:nvSpPr>
-        <p:spPr/>
-        <p:txBody>
-          <a:bodyPr>
-            <a:normAutofit/>
-          </a:bodyPr>
-          <a:lstStyle/>
-          <a:p>
-            <a:r>
-              <a:rPr lang="en-US" sz="2400" dirty="0"/>
-              <a:t>Tools and Technique</a:t>
-            </a:r>
-          </a:p>
-          <a:p>
-            <a:pPr marL="457200" lvl="1" indent="0">
-              <a:buNone/>
-            </a:pPr>
-            <a:r>
-              <a:rPr lang="en-US" sz="2200" dirty="0"/>
-              <a:t>The framework and language to be used for the project :</a:t>
-            </a:r>
-          </a:p>
-          <a:p>
-            <a:pPr lvl="1">
-              <a:buFont typeface="Wingdings" panose="05000000000000000000" pitchFamily="2" charset="2"/>
-              <a:buChar char="ü"/>
-            </a:pPr>
-            <a:r>
-              <a:rPr lang="en-US" sz="2200" dirty="0"/>
-              <a:t>Fronted</a:t>
-            </a:r>
-          </a:p>
-          <a:p>
-            <a:pPr marL="914400" lvl="2" indent="0">
-              <a:buNone/>
-            </a:pPr>
-            <a:r>
-              <a:rPr lang="en-US" sz="2000" b="1" dirty="0"/>
-              <a:t>HTML, CSS, Java Script</a:t>
-            </a:r>
-          </a:p>
-          <a:p>
-            <a:pPr lvl="1">
-              <a:buFont typeface="Wingdings" panose="05000000000000000000" pitchFamily="2" charset="2"/>
-              <a:buChar char="ü"/>
-            </a:pPr>
-            <a:r>
-              <a:rPr lang="en-US" sz="2200" dirty="0"/>
-              <a:t>Backend</a:t>
-            </a:r>
-          </a:p>
-          <a:p>
-            <a:pPr marL="457200" lvl="1" indent="0">
-              <a:buNone/>
-            </a:pPr>
-            <a:r>
-              <a:rPr lang="en-US" sz="2200" dirty="0"/>
-              <a:t>	Framework -</a:t>
-            </a:r>
-            <a:r>
-              <a:rPr lang="en-US" sz="2200" b="1" dirty="0"/>
-              <a:t>Django</a:t>
-            </a:r>
-          </a:p>
-          <a:p>
-            <a:pPr marL="457200" lvl="1" indent="0">
-              <a:buNone/>
-            </a:pPr>
-            <a:r>
-              <a:rPr lang="en-US" sz="2200" dirty="0"/>
-              <a:t>	Database -</a:t>
-            </a:r>
-            <a:r>
-              <a:rPr lang="en-US" sz="2200" b="1" dirty="0"/>
-              <a:t>SQLite</a:t>
-            </a:r>
-          </a:p>
-          <a:p>
-            <a:pPr lvl="1">
-              <a:buFont typeface="Wingdings" panose="05000000000000000000" pitchFamily="2" charset="2"/>
-              <a:buChar char="ü"/>
-            </a:pPr>
-            <a:endParaRPr lang="en-US" sz="2200" dirty="0"/>
-          </a:p>
-        </p:txBody>
-      </p:sp>
-    </p:spTree>
-    <p:extLst>
-      <p:ext uri="{BB962C8B-B14F-4D97-AF65-F5344CB8AC3E}">
-        <p14:creationId xmlns:p14="http://schemas.microsoft.com/office/powerpoint/2010/main" val="1262452891"/>
-      </p:ext>
-    </p:extLst>
-  </p:cSld>
-  <p:clrMapOvr>
-    <a:masterClrMapping/>
-  </p:clrMapOvr>
-</p:sld>
-</file>
-
-<file path=ppt/slides/slide13.xml><?xml version="1.0" encoding="utf-8"?>
-<p:sld xmlns:a="http://schemas.openxmlformats.org/drawingml/2006/main" xmlns:r="http://schemas.openxmlformats.org/officeDocument/2006/relationships" xmlns:p="http://schemas.openxmlformats.org/presentationml/2006/main">
-  <p:cSld>
-    <p:spTree>
-      <p:nvGrpSpPr>
-        <p:cNvPr id="1" name=""/>
-        <p:cNvGrpSpPr/>
-        <p:nvPr/>
-      </p:nvGrpSpPr>
-      <p:grpSpPr>
-        <a:xfrm>
-          <a:off x="0" y="0"/>
-          <a:ext cx="0" cy="0"/>
-          <a:chOff x="0" y="0"/>
-          <a:chExt cx="0" cy="0"/>
-        </a:xfrm>
-      </p:grpSpPr>
-      <p:sp>
-        <p:nvSpPr>
-          <p:cNvPr id="2" name="Title 1">
-            <a:extLst>
-              <a:ext uri="{FF2B5EF4-FFF2-40B4-BE49-F238E27FC236}">
-                <a16:creationId xmlns:a16="http://schemas.microsoft.com/office/drawing/2014/main" id="{BC33369D-709D-00C4-E805-1109254D3109}"/>
-              </a:ext>
-            </a:extLst>
-          </p:cNvPr>
-          <p:cNvSpPr>
-            <a:spLocks noGrp="1"/>
-          </p:cNvSpPr>
-          <p:nvPr>
-            <p:ph type="title"/>
-          </p:nvPr>
-        </p:nvSpPr>
-        <p:spPr/>
-        <p:txBody>
-          <a:bodyPr/>
-          <a:lstStyle/>
-          <a:p>
-            <a:r>
-              <a:rPr lang="en-US" dirty="0"/>
-              <a:t>implementation</a:t>
-            </a:r>
-          </a:p>
-        </p:txBody>
-      </p:sp>
-      <p:sp>
-        <p:nvSpPr>
-          <p:cNvPr id="3" name="Content Placeholder 2">
-            <a:extLst>
-              <a:ext uri="{FF2B5EF4-FFF2-40B4-BE49-F238E27FC236}">
-                <a16:creationId xmlns:a16="http://schemas.microsoft.com/office/drawing/2014/main" id="{8BF983A5-DA14-8F6A-A1B1-A81A46EDF95C}"/>
-              </a:ext>
-            </a:extLst>
-          </p:cNvPr>
-          <p:cNvSpPr>
-            <a:spLocks noGrp="1"/>
-          </p:cNvSpPr>
-          <p:nvPr>
-            <p:ph idx="1"/>
-          </p:nvPr>
-        </p:nvSpPr>
-        <p:spPr/>
-        <p:txBody>
-          <a:bodyPr/>
-          <a:lstStyle/>
-          <a:p>
-            <a:r>
-              <a:rPr lang="en-US" sz="2400" dirty="0"/>
-              <a:t>Hardware Requirement</a:t>
-            </a:r>
-          </a:p>
-          <a:p>
-            <a:pPr marL="800100" lvl="1" indent="-342900">
-              <a:lnSpc>
-                <a:spcPct val="115000"/>
-              </a:lnSpc>
-              <a:spcBef>
-                <a:spcPts val="0"/>
-              </a:spcBef>
-              <a:buFont typeface="Symbol" panose="05050102010706020507" pitchFamily="18" charset="2"/>
-              <a:buChar char=""/>
-              <a:tabLst>
-                <a:tab pos="971550" algn="l"/>
-              </a:tabLst>
-            </a:pPr>
-            <a:r>
-              <a:rPr lang="en-US" b="1" dirty="0">
-                <a:effectLst/>
-                <a:ea typeface="Calibri" panose="020F0502020204030204" pitchFamily="34" charset="0"/>
-                <a:cs typeface="Times New Roman" panose="02020603050405020304" pitchFamily="18" charset="0"/>
-              </a:rPr>
-              <a:t>Processor: </a:t>
-            </a:r>
-            <a:r>
-              <a:rPr lang="en-US" dirty="0">
-                <a:effectLst/>
-                <a:ea typeface="Calibri" panose="020F0502020204030204" pitchFamily="34" charset="0"/>
-                <a:cs typeface="Times New Roman" panose="02020603050405020304" pitchFamily="18" charset="0"/>
-              </a:rPr>
-              <a:t>A multi-core processor with a clock speed of at least 2.0 GHz or Higher is recommended</a:t>
-            </a:r>
-          </a:p>
-          <a:p>
-            <a:pPr marL="800100" lvl="1" indent="-342900">
-              <a:lnSpc>
-                <a:spcPct val="115000"/>
-              </a:lnSpc>
-              <a:spcBef>
-                <a:spcPts val="0"/>
-              </a:spcBef>
-              <a:buFont typeface="Symbol" panose="05050102010706020507" pitchFamily="18" charset="2"/>
-              <a:buChar char=""/>
-              <a:tabLst>
-                <a:tab pos="971550" algn="l"/>
-              </a:tabLst>
-            </a:pPr>
-            <a:r>
-              <a:rPr lang="en-US" b="1" dirty="0">
-                <a:effectLst/>
-                <a:ea typeface="Calibri" panose="020F0502020204030204" pitchFamily="34" charset="0"/>
-                <a:cs typeface="Times New Roman" panose="02020603050405020304" pitchFamily="18" charset="0"/>
-              </a:rPr>
-              <a:t>RAM: </a:t>
-            </a:r>
-            <a:r>
-              <a:rPr lang="en-US" dirty="0">
-                <a:effectLst/>
-                <a:ea typeface="Calibri" panose="020F0502020204030204" pitchFamily="34" charset="0"/>
-                <a:cs typeface="Times New Roman" panose="02020603050405020304" pitchFamily="18" charset="0"/>
-              </a:rPr>
-              <a:t> Minimum </a:t>
-            </a:r>
-            <a:r>
-              <a:rPr lang="en-US" b="1" dirty="0">
-                <a:effectLst/>
-                <a:ea typeface="Calibri" panose="020F0502020204030204" pitchFamily="34" charset="0"/>
-                <a:cs typeface="Times New Roman" panose="02020603050405020304" pitchFamily="18" charset="0"/>
-              </a:rPr>
-              <a:t> </a:t>
-            </a:r>
-            <a:r>
-              <a:rPr lang="en-US" dirty="0">
-                <a:effectLst/>
-                <a:ea typeface="Calibri" panose="020F0502020204030204" pitchFamily="34" charset="0"/>
-                <a:cs typeface="Times New Roman" panose="02020603050405020304" pitchFamily="18" charset="0"/>
-              </a:rPr>
-              <a:t>4GB of RAM</a:t>
-            </a:r>
-          </a:p>
-          <a:p>
-            <a:pPr marL="800100" lvl="1" indent="-342900">
-              <a:lnSpc>
-                <a:spcPct val="115000"/>
-              </a:lnSpc>
-              <a:spcBef>
-                <a:spcPts val="0"/>
-              </a:spcBef>
-              <a:spcAft>
-                <a:spcPts val="1000"/>
-              </a:spcAft>
-              <a:buFont typeface="Symbol" panose="05050102010706020507" pitchFamily="18" charset="2"/>
-              <a:buChar char=""/>
-              <a:tabLst>
-                <a:tab pos="971550" algn="l"/>
-              </a:tabLst>
-            </a:pPr>
-            <a:r>
-              <a:rPr lang="en-US" b="1" dirty="0">
-                <a:effectLst/>
-                <a:ea typeface="Calibri" panose="020F0502020204030204" pitchFamily="34" charset="0"/>
-                <a:cs typeface="Times New Roman" panose="02020603050405020304" pitchFamily="18" charset="0"/>
-              </a:rPr>
-              <a:t>Storage: </a:t>
-            </a:r>
-            <a:r>
-              <a:rPr lang="en-US" dirty="0">
-                <a:effectLst/>
-                <a:ea typeface="Calibri" panose="020F0502020204030204" pitchFamily="34" charset="0"/>
-                <a:cs typeface="Times New Roman" panose="02020603050405020304" pitchFamily="18" charset="0"/>
-              </a:rPr>
-              <a:t>A minimum of 10GB of free disk space is recommended</a:t>
-            </a:r>
-          </a:p>
-          <a:p>
-            <a:pPr lvl="1"/>
-            <a:endParaRPr lang="en-US" dirty="0"/>
-          </a:p>
-        </p:txBody>
-      </p:sp>
-    </p:spTree>
-    <p:extLst>
-      <p:ext uri="{BB962C8B-B14F-4D97-AF65-F5344CB8AC3E}">
-        <p14:creationId xmlns:p14="http://schemas.microsoft.com/office/powerpoint/2010/main" val="3139654051"/>
-      </p:ext>
-    </p:extLst>
-  </p:cSld>
-  <p:clrMapOvr>
-    <a:masterClrMapping/>
-  </p:clrMapOvr>
-</p:sld>
-</file>
-
-<file path=ppt/slides/slide14.xml><?xml version="1.0" encoding="utf-8"?>
-<p:sld xmlns:a="http://schemas.openxmlformats.org/drawingml/2006/main" xmlns:r="http://schemas.openxmlformats.org/officeDocument/2006/relationships" xmlns:p="http://schemas.openxmlformats.org/presentationml/2006/main">
-  <p:cSld>
-    <p:spTree>
-      <p:nvGrpSpPr>
-        <p:cNvPr id="1" name=""/>
-        <p:cNvGrpSpPr/>
-        <p:nvPr/>
-      </p:nvGrpSpPr>
-      <p:grpSpPr>
-        <a:xfrm>
-          <a:off x="0" y="0"/>
-          <a:ext cx="0" cy="0"/>
-          <a:chOff x="0" y="0"/>
-          <a:chExt cx="0" cy="0"/>
-        </a:xfrm>
-      </p:grpSpPr>
-      <p:sp>
-        <p:nvSpPr>
-          <p:cNvPr id="2" name="Title 1">
-            <a:extLst>
-              <a:ext uri="{FF2B5EF4-FFF2-40B4-BE49-F238E27FC236}">
-                <a16:creationId xmlns:a16="http://schemas.microsoft.com/office/drawing/2014/main" id="{9DA0A99E-1317-8DDA-1F10-210E722823FD}"/>
-              </a:ext>
-            </a:extLst>
-          </p:cNvPr>
-          <p:cNvSpPr>
-            <a:spLocks noGrp="1"/>
-          </p:cNvSpPr>
-          <p:nvPr>
-            <p:ph type="title"/>
-          </p:nvPr>
-        </p:nvSpPr>
-        <p:spPr/>
-        <p:txBody>
-          <a:bodyPr/>
-          <a:lstStyle/>
-          <a:p>
-            <a:r>
-              <a:rPr lang="en-US" dirty="0"/>
-              <a:t>Future work</a:t>
-            </a:r>
-          </a:p>
-        </p:txBody>
-      </p:sp>
-      <p:sp>
-        <p:nvSpPr>
-          <p:cNvPr id="3" name="Content Placeholder 2">
-            <a:extLst>
-              <a:ext uri="{FF2B5EF4-FFF2-40B4-BE49-F238E27FC236}">
-                <a16:creationId xmlns:a16="http://schemas.microsoft.com/office/drawing/2014/main" id="{40444580-06E6-66ED-F130-38B65C74F90E}"/>
-              </a:ext>
-            </a:extLst>
-          </p:cNvPr>
-          <p:cNvSpPr>
-            <a:spLocks noGrp="1"/>
-          </p:cNvSpPr>
-          <p:nvPr>
-            <p:ph idx="1"/>
-          </p:nvPr>
-        </p:nvSpPr>
-        <p:spPr/>
-        <p:txBody>
-          <a:bodyPr/>
-          <a:lstStyle/>
-          <a:p>
-            <a:r>
-              <a:rPr lang="en-US" dirty="0"/>
-              <a:t>Allow customers to customize food orders and  reservation system</a:t>
-            </a:r>
-          </a:p>
-          <a:p>
-            <a:r>
-              <a:rPr lang="en-US" dirty="0"/>
-              <a:t>Allow to save payment details for future use</a:t>
-            </a:r>
-          </a:p>
-          <a:p>
-            <a:r>
-              <a:rPr lang="en-US" dirty="0"/>
-              <a:t>Allow to find and choose a nearby restaurant  </a:t>
-            </a:r>
-          </a:p>
-          <a:p>
-            <a:endParaRPr lang="en-US" dirty="0"/>
-          </a:p>
-        </p:txBody>
-      </p:sp>
-    </p:spTree>
-    <p:extLst>
-      <p:ext uri="{BB962C8B-B14F-4D97-AF65-F5344CB8AC3E}">
-        <p14:creationId xmlns:p14="http://schemas.microsoft.com/office/powerpoint/2010/main" val="1227074861"/>
-      </p:ext>
-    </p:extLst>
-  </p:cSld>
-  <p:clrMapOvr>
-    <a:masterClrMapping/>
-  </p:clrMapOvr>
-</p:sld>
-</file>
-
-<file path=ppt/slides/slide15.xml><?xml version="1.0" encoding="utf-8"?>
-<p:sld xmlns:a="http://schemas.openxmlformats.org/drawingml/2006/main" xmlns:r="http://schemas.openxmlformats.org/officeDocument/2006/relationships" xmlns:p="http://schemas.openxmlformats.org/presentationml/2006/main">
-  <p:cSld>
-    <p:spTree>
-      <p:nvGrpSpPr>
-        <p:cNvPr id="1" name=""/>
-        <p:cNvGrpSpPr/>
-        <p:nvPr/>
-      </p:nvGrpSpPr>
-      <p:grpSpPr>
-        <a:xfrm>
-          <a:off x="0" y="0"/>
-          <a:ext cx="0" cy="0"/>
-          <a:chOff x="0" y="0"/>
-          <a:chExt cx="0" cy="0"/>
-        </a:xfrm>
-      </p:grpSpPr>
-      <p:sp>
-        <p:nvSpPr>
-          <p:cNvPr id="2" name="Title 1">
-            <a:extLst>
-              <a:ext uri="{FF2B5EF4-FFF2-40B4-BE49-F238E27FC236}">
-                <a16:creationId xmlns:a16="http://schemas.microsoft.com/office/drawing/2014/main" id="{7C758F01-CD1D-0703-470C-304796B0C696}"/>
-              </a:ext>
-            </a:extLst>
-          </p:cNvPr>
-          <p:cNvSpPr>
-            <a:spLocks noGrp="1"/>
-          </p:cNvSpPr>
-          <p:nvPr>
-            <p:ph type="title"/>
-          </p:nvPr>
-        </p:nvSpPr>
-        <p:spPr/>
-        <p:txBody>
-          <a:bodyPr/>
-          <a:lstStyle/>
-          <a:p>
-            <a:r>
-              <a:rPr lang="en-US" dirty="0"/>
-              <a:t>conclusion</a:t>
-            </a:r>
-          </a:p>
-        </p:txBody>
-      </p:sp>
-      <p:sp>
-        <p:nvSpPr>
-          <p:cNvPr id="3" name="Content Placeholder 2">
-            <a:extLst>
-              <a:ext uri="{FF2B5EF4-FFF2-40B4-BE49-F238E27FC236}">
-                <a16:creationId xmlns:a16="http://schemas.microsoft.com/office/drawing/2014/main" id="{193C41FF-552E-D018-6250-E672D3066D80}"/>
-              </a:ext>
-            </a:extLst>
-          </p:cNvPr>
-          <p:cNvSpPr>
-            <a:spLocks noGrp="1"/>
-          </p:cNvSpPr>
-          <p:nvPr>
-            <p:ph idx="1"/>
-          </p:nvPr>
-        </p:nvSpPr>
-        <p:spPr/>
-        <p:txBody>
-          <a:bodyPr>
-            <a:normAutofit/>
-          </a:bodyPr>
-          <a:lstStyle/>
-          <a:p>
-            <a:r>
-              <a:rPr lang="en-US" dirty="0">
-                <a:solidFill>
-                  <a:srgbClr val="000000"/>
-                </a:solidFill>
-                <a:effectLst/>
-                <a:latin typeface="+mj-lt"/>
-                <a:ea typeface="Calibri" panose="020F0502020204030204" pitchFamily="34" charset="0"/>
-              </a:rPr>
-              <a:t>The implementation of a Restaurant Management System has been proposed to be implemented to replace the manual system. This project was made user friendly by using  basic visual enabling the user to interact easily .</a:t>
-            </a:r>
-            <a:endParaRPr lang="en-US" sz="2400" dirty="0">
-              <a:latin typeface="+mj-lt"/>
-            </a:endParaRPr>
-          </a:p>
-        </p:txBody>
-      </p:sp>
-    </p:spTree>
-    <p:extLst>
-      <p:ext uri="{BB962C8B-B14F-4D97-AF65-F5344CB8AC3E}">
-        <p14:creationId xmlns:p14="http://schemas.microsoft.com/office/powerpoint/2010/main" val="433604909"/>
-      </p:ext>
-    </p:extLst>
-  </p:cSld>
-  <p:clrMapOvr>
-    <a:masterClrMapping/>
-  </p:clrMapOvr>
-</p:sld>
-</file>
-
-<file path=ppt/slides/slide16.xml><?xml version="1.0" encoding="utf-8"?>
-<p:sld xmlns:a="http://schemas.openxmlformats.org/drawingml/2006/main" xmlns:r="http://schemas.openxmlformats.org/officeDocument/2006/relationships" xmlns:p="http://schemas.openxmlformats.org/presentationml/2006/main">
-  <p:cSld>
-    <p:spTree>
-      <p:nvGrpSpPr>
-        <p:cNvPr id="1" name=""/>
-        <p:cNvGrpSpPr/>
-        <p:nvPr/>
-      </p:nvGrpSpPr>
-      <p:grpSpPr>
-        <a:xfrm>
-          <a:off x="0" y="0"/>
-          <a:ext cx="0" cy="0"/>
-          <a:chOff x="0" y="0"/>
-          <a:chExt cx="0" cy="0"/>
-        </a:xfrm>
-      </p:grpSpPr>
-      <p:sp>
-        <p:nvSpPr>
-          <p:cNvPr id="2" name="Title 1">
-            <a:extLst>
-              <a:ext uri="{FF2B5EF4-FFF2-40B4-BE49-F238E27FC236}">
-                <a16:creationId xmlns:a16="http://schemas.microsoft.com/office/drawing/2014/main" id="{23CFDEBA-1665-163E-B7DA-61987F7FFB66}"/>
-              </a:ext>
-            </a:extLst>
-          </p:cNvPr>
-          <p:cNvSpPr>
-            <a:spLocks noGrp="1"/>
-          </p:cNvSpPr>
-          <p:nvPr>
-            <p:ph type="title"/>
-          </p:nvPr>
-        </p:nvSpPr>
-        <p:spPr/>
-        <p:txBody>
-          <a:bodyPr/>
-          <a:lstStyle/>
-          <a:p>
-            <a:r>
-              <a:rPr lang="en-US" dirty="0"/>
-              <a:t>references</a:t>
-            </a:r>
-          </a:p>
-        </p:txBody>
-      </p:sp>
-      <p:sp>
-        <p:nvSpPr>
-          <p:cNvPr id="3" name="Content Placeholder 2">
-            <a:extLst>
-              <a:ext uri="{FF2B5EF4-FFF2-40B4-BE49-F238E27FC236}">
-                <a16:creationId xmlns:a16="http://schemas.microsoft.com/office/drawing/2014/main" id="{F221784E-BC0C-1300-6511-A122964E7549}"/>
-              </a:ext>
-            </a:extLst>
-          </p:cNvPr>
-          <p:cNvSpPr>
-            <a:spLocks noGrp="1"/>
-          </p:cNvSpPr>
-          <p:nvPr>
-            <p:ph idx="1"/>
-          </p:nvPr>
-        </p:nvSpPr>
-        <p:spPr/>
-        <p:txBody>
-          <a:bodyPr/>
-          <a:lstStyle/>
-          <a:p>
-            <a:r>
-              <a:rPr lang="en-US" dirty="0"/>
-              <a:t>DOI: </a:t>
-            </a:r>
-          </a:p>
-          <a:p>
-            <a:pPr lvl="1"/>
-            <a:r>
-              <a:rPr lang="en-US" sz="1600" dirty="0">
-                <a:hlinkClick r:id="rId2"/>
-              </a:rPr>
-              <a:t>https://www.slideshare.net/joilrahat/restaurant-management-presentation?from_action=save</a:t>
-            </a:r>
-            <a:endParaRPr lang="en-US" sz="1600" dirty="0"/>
-          </a:p>
-          <a:p>
-            <a:pPr lvl="1"/>
-            <a:r>
-              <a:rPr lang="en-US" sz="1800" dirty="0">
-                <a:effectLst/>
-                <a:latin typeface="Calibri" panose="020F0502020204030204" pitchFamily="34" charset="0"/>
-                <a:ea typeface="Calibri" panose="020F0502020204030204" pitchFamily="34" charset="0"/>
-                <a:cs typeface="Times New Roman" panose="02020603050405020304" pitchFamily="18" charset="0"/>
-              </a:rPr>
-              <a:t>Carl Abernethy,</a:t>
-            </a:r>
-            <a:r>
-              <a:rPr lang="en-US" dirty="0">
-                <a:effectLst/>
-                <a:latin typeface="Calibri" panose="020F0502020204030204" pitchFamily="34" charset="0"/>
-                <a:ea typeface="Calibri" panose="020F0502020204030204" pitchFamily="34" charset="0"/>
-                <a:cs typeface="Times New Roman" panose="02020603050405020304" pitchFamily="18" charset="0"/>
-              </a:rPr>
-              <a:t> </a:t>
-            </a:r>
-            <a:r>
-              <a:rPr lang="en-US" u="sng" dirty="0">
-                <a:solidFill>
-                  <a:srgbClr val="0000FF"/>
-                </a:solidFill>
-                <a:effectLst/>
-                <a:latin typeface="Calibri" panose="020F0502020204030204" pitchFamily="34" charset="0"/>
-                <a:ea typeface="Calibri" panose="020F0502020204030204" pitchFamily="34" charset="0"/>
-                <a:cs typeface="Times New Roman" panose="02020603050405020304" pitchFamily="18" charset="0"/>
-                <a:hlinkClick r:id="rId3"/>
-              </a:rPr>
-              <a:t>https://www.academia.edu/36675814/Restaurant_Management_System</a:t>
-            </a:r>
-            <a:r>
-              <a:rPr lang="en-US" dirty="0">
-                <a:effectLst/>
-                <a:latin typeface="Calibri" panose="020F0502020204030204" pitchFamily="34" charset="0"/>
-                <a:ea typeface="Calibri" panose="020F0502020204030204" pitchFamily="34" charset="0"/>
-                <a:cs typeface="Times New Roman" panose="02020603050405020304" pitchFamily="18" charset="0"/>
-              </a:rPr>
-              <a:t>, 5</a:t>
-            </a:r>
-            <a:r>
-              <a:rPr lang="en-US" baseline="30000" dirty="0">
-                <a:effectLst/>
-                <a:latin typeface="Calibri" panose="020F0502020204030204" pitchFamily="34" charset="0"/>
-                <a:ea typeface="Calibri" panose="020F0502020204030204" pitchFamily="34" charset="0"/>
-                <a:cs typeface="Times New Roman" panose="02020603050405020304" pitchFamily="18" charset="0"/>
-              </a:rPr>
-              <a:t>th</a:t>
-            </a:r>
-            <a:r>
-              <a:rPr lang="en-US" dirty="0">
-                <a:effectLst/>
-                <a:latin typeface="Calibri" panose="020F0502020204030204" pitchFamily="34" charset="0"/>
-                <a:ea typeface="Calibri" panose="020F0502020204030204" pitchFamily="34" charset="0"/>
-                <a:cs typeface="Times New Roman" panose="02020603050405020304" pitchFamily="18" charset="0"/>
-              </a:rPr>
-              <a:t> May 2010</a:t>
-            </a:r>
-          </a:p>
-          <a:p>
-            <a:pPr lvl="1"/>
-            <a:endParaRPr lang="en-US" dirty="0"/>
-          </a:p>
-        </p:txBody>
-      </p:sp>
-    </p:spTree>
-    <p:extLst>
-      <p:ext uri="{BB962C8B-B14F-4D97-AF65-F5344CB8AC3E}">
-        <p14:creationId xmlns:p14="http://schemas.microsoft.com/office/powerpoint/2010/main" val="3191988558"/>
-      </p:ext>
-    </p:extLst>
-  </p:cSld>
-  <p:clrMapOvr>
-    <a:masterClrMapping/>
-  </p:clrMapOvr>
-</p:sld>
-</file>
-
-<file path=ppt/slides/slide17.xml><?xml version="1.0" encoding="utf-8"?>
-<p:sld xmlns:a="http://schemas.openxmlformats.org/drawingml/2006/main" xmlns:r="http://schemas.openxmlformats.org/officeDocument/2006/relationships" xmlns:p="http://schemas.openxmlformats.org/presentationml/2006/main">
-  <p:cSld>
-    <p:spTree>
-      <p:nvGrpSpPr>
-        <p:cNvPr id="1" name=""/>
-        <p:cNvGrpSpPr/>
-        <p:nvPr/>
-      </p:nvGrpSpPr>
-      <p:grpSpPr>
-        <a:xfrm>
-          <a:off x="0" y="0"/>
-          <a:ext cx="0" cy="0"/>
-          <a:chOff x="0" y="0"/>
-          <a:chExt cx="0" cy="0"/>
-        </a:xfrm>
-      </p:grpSpPr>
-      <p:sp>
-        <p:nvSpPr>
-          <p:cNvPr id="2" name="Title 1">
-            <a:extLst>
-              <a:ext uri="{FF2B5EF4-FFF2-40B4-BE49-F238E27FC236}">
-                <a16:creationId xmlns:a16="http://schemas.microsoft.com/office/drawing/2014/main" id="{C5095C16-DC1E-7FBC-FA42-2E9C0AC896FB}"/>
-              </a:ext>
-            </a:extLst>
-          </p:cNvPr>
-          <p:cNvSpPr>
-            <a:spLocks noGrp="1"/>
-          </p:cNvSpPr>
-          <p:nvPr>
-            <p:ph type="title"/>
-          </p:nvPr>
-        </p:nvSpPr>
-        <p:spPr/>
-        <p:txBody>
-          <a:bodyPr/>
-          <a:lstStyle/>
-          <a:p>
-            <a:r>
-              <a:rPr lang="en-US"/>
-              <a:t>Thank you</a:t>
-            </a:r>
-          </a:p>
-        </p:txBody>
-      </p:sp>
-      <p:sp>
-        <p:nvSpPr>
-          <p:cNvPr id="3" name="Content Placeholder 2">
-            <a:extLst>
-              <a:ext uri="{FF2B5EF4-FFF2-40B4-BE49-F238E27FC236}">
-                <a16:creationId xmlns:a16="http://schemas.microsoft.com/office/drawing/2014/main" id="{7879FE82-39BB-0FA6-A54E-7770D87537DE}"/>
-              </a:ext>
-            </a:extLst>
-          </p:cNvPr>
-          <p:cNvSpPr>
-            <a:spLocks noGrp="1"/>
-          </p:cNvSpPr>
-          <p:nvPr>
-            <p:ph idx="1"/>
-          </p:nvPr>
-        </p:nvSpPr>
-        <p:spPr/>
-        <p:txBody>
-          <a:bodyPr/>
-          <a:lstStyle/>
-          <a:p>
-            <a:pPr marL="0" indent="0">
-              <a:buNone/>
-            </a:pPr>
-            <a:endParaRPr lang="en-US" dirty="0"/>
-          </a:p>
-        </p:txBody>
-      </p:sp>
-    </p:spTree>
-    <p:extLst>
-      <p:ext uri="{BB962C8B-B14F-4D97-AF65-F5344CB8AC3E}">
-        <p14:creationId xmlns:p14="http://schemas.microsoft.com/office/powerpoint/2010/main" val="1011147898"/>
-      </p:ext>
-    </p:extLst>
-  </p:cSld>
-  <p:clrMapOvr>
-    <a:masterClrMapping/>
-  </p:clrMapOvr>
-</p:sld>
-</file>
-
-<file path=ppt/slides/slide2.xml><?xml version="1.0" encoding="utf-8"?>
-<p:sld xmlns:a="http://schemas.openxmlformats.org/drawingml/2006/main" xmlns:r="http://schemas.openxmlformats.org/officeDocument/2006/relationships" xmlns:p="http://schemas.openxmlformats.org/presentationml/2006/main">
-  <p:cSld>
-    <p:spTree>
-      <p:nvGrpSpPr>
-        <p:cNvPr id="1" name=""/>
-        <p:cNvGrpSpPr/>
-        <p:nvPr/>
-      </p:nvGrpSpPr>
-      <p:grpSpPr>
-        <a:xfrm>
-          <a:off x="0" y="0"/>
-          <a:ext cx="0" cy="0"/>
-          <a:chOff x="0" y="0"/>
-          <a:chExt cx="0" cy="0"/>
-        </a:xfrm>
-      </p:grpSpPr>
-      <p:sp>
-        <p:nvSpPr>
-          <p:cNvPr id="2" name="Title 1">
-            <a:extLst>
-              <a:ext uri="{FF2B5EF4-FFF2-40B4-BE49-F238E27FC236}">
-                <a16:creationId xmlns:a16="http://schemas.microsoft.com/office/drawing/2014/main" id="{0BFB6BEA-B1CC-B0A6-63DE-A29329A170FA}"/>
-              </a:ext>
-            </a:extLst>
-          </p:cNvPr>
-          <p:cNvSpPr>
-            <a:spLocks noGrp="1"/>
-          </p:cNvSpPr>
-          <p:nvPr>
-            <p:ph type="title"/>
-          </p:nvPr>
-        </p:nvSpPr>
-        <p:spPr/>
-        <p:txBody>
-          <a:bodyPr/>
-          <a:lstStyle/>
-          <a:p>
-            <a:r>
-              <a:rPr lang="en-US" dirty="0" err="1"/>
-              <a:t>IntRODUCTION</a:t>
-            </a:r>
-            <a:endParaRPr lang="en-US" dirty="0"/>
-          </a:p>
-        </p:txBody>
-      </p:sp>
-      <p:sp>
-        <p:nvSpPr>
-          <p:cNvPr id="3" name="Content Placeholder 2">
-            <a:extLst>
-              <a:ext uri="{FF2B5EF4-FFF2-40B4-BE49-F238E27FC236}">
-                <a16:creationId xmlns:a16="http://schemas.microsoft.com/office/drawing/2014/main" id="{BD9E3E1F-9D80-45DE-6EC7-D6F35F1452CC}"/>
-              </a:ext>
-            </a:extLst>
-          </p:cNvPr>
-          <p:cNvSpPr>
-            <a:spLocks noGrp="1"/>
-          </p:cNvSpPr>
-          <p:nvPr>
-            <p:ph idx="1"/>
-          </p:nvPr>
-        </p:nvSpPr>
-        <p:spPr/>
-        <p:txBody>
-          <a:bodyPr/>
-          <a:lstStyle/>
-          <a:p>
-            <a:r>
-              <a:rPr lang="en-US" dirty="0"/>
-              <a:t>Restaurant is place where we have to deal with a number of customers, and the key to success is customer satisfaction.</a:t>
-            </a:r>
-          </a:p>
-          <a:p>
-            <a:r>
-              <a:rPr lang="en-US" dirty="0">
-                <a:solidFill>
-                  <a:srgbClr val="000000"/>
-                </a:solidFill>
-                <a:effectLst/>
-                <a:latin typeface="+mj-lt"/>
-                <a:ea typeface="Calibri" panose="020F0502020204030204" pitchFamily="34" charset="0"/>
-              </a:rPr>
-              <a:t>Restaurant Management System has been proposed to be implemented to replace the manual system</a:t>
-            </a:r>
-          </a:p>
-          <a:p>
-            <a:r>
-              <a:rPr lang="en-US" dirty="0">
-                <a:solidFill>
-                  <a:srgbClr val="000000"/>
-                </a:solidFill>
-                <a:latin typeface="+mj-lt"/>
-                <a:ea typeface="Calibri" panose="020F0502020204030204" pitchFamily="34" charset="0"/>
-              </a:rPr>
-              <a:t>The main aim of this project is computerization of all processes which happen in Restaurant</a:t>
-            </a:r>
-            <a:endParaRPr lang="en-US" dirty="0">
-              <a:latin typeface="+mj-lt"/>
-            </a:endParaRPr>
-          </a:p>
-        </p:txBody>
-      </p:sp>
-    </p:spTree>
-    <p:extLst>
-      <p:ext uri="{BB962C8B-B14F-4D97-AF65-F5344CB8AC3E}">
-        <p14:creationId xmlns:p14="http://schemas.microsoft.com/office/powerpoint/2010/main" val="27538436"/>
-      </p:ext>
-    </p:extLst>
-  </p:cSld>
-  <p:clrMapOvr>
-    <a:masterClrMapping/>
-  </p:clrMapOvr>
-</p:sld>
-</file>
-
-<file path=ppt/slides/slide3.xml><?xml version="1.0" encoding="utf-8"?>
-<p:sld xmlns:a="http://schemas.openxmlformats.org/drawingml/2006/main" xmlns:r="http://schemas.openxmlformats.org/officeDocument/2006/relationships" xmlns:p="http://schemas.openxmlformats.org/presentationml/2006/main">
-  <p:cSld>
-    <p:spTree>
-      <p:nvGrpSpPr>
-        <p:cNvPr id="1" name=""/>
-        <p:cNvGrpSpPr/>
-        <p:nvPr/>
-      </p:nvGrpSpPr>
-      <p:grpSpPr>
-        <a:xfrm>
-          <a:off x="0" y="0"/>
-          <a:ext cx="0" cy="0"/>
-          <a:chOff x="0" y="0"/>
-          <a:chExt cx="0" cy="0"/>
-        </a:xfrm>
-      </p:grpSpPr>
-      <p:sp>
-        <p:nvSpPr>
-          <p:cNvPr id="2" name="Title 1">
-            <a:extLst>
-              <a:ext uri="{FF2B5EF4-FFF2-40B4-BE49-F238E27FC236}">
-                <a16:creationId xmlns:a16="http://schemas.microsoft.com/office/drawing/2014/main" id="{F1FE2BF8-33FE-C0CE-8142-1073DE68C342}"/>
-              </a:ext>
-            </a:extLst>
-          </p:cNvPr>
-          <p:cNvSpPr>
-            <a:spLocks noGrp="1"/>
-          </p:cNvSpPr>
-          <p:nvPr>
-            <p:ph type="title"/>
-          </p:nvPr>
-        </p:nvSpPr>
-        <p:spPr/>
-        <p:txBody>
-          <a:bodyPr/>
-          <a:lstStyle/>
-          <a:p>
-            <a:r>
-              <a:rPr lang="en-US" dirty="0"/>
-              <a:t>Drawbacks of existing system </a:t>
-            </a:r>
-            <a:br>
-              <a:rPr lang="en-US" dirty="0"/>
-            </a:br>
-            <a:endParaRPr lang="en-US" dirty="0"/>
-          </a:p>
-        </p:txBody>
-      </p:sp>
-      <p:sp>
-        <p:nvSpPr>
-          <p:cNvPr id="3" name="Content Placeholder 2">
-            <a:extLst>
-              <a:ext uri="{FF2B5EF4-FFF2-40B4-BE49-F238E27FC236}">
-                <a16:creationId xmlns:a16="http://schemas.microsoft.com/office/drawing/2014/main" id="{7C0638D5-42C2-D06E-0BC4-1CB1173EE21F}"/>
-              </a:ext>
-            </a:extLst>
-          </p:cNvPr>
-          <p:cNvSpPr>
-            <a:spLocks noGrp="1"/>
-          </p:cNvSpPr>
-          <p:nvPr>
-            <p:ph idx="1"/>
-          </p:nvPr>
-        </p:nvSpPr>
-        <p:spPr/>
-        <p:txBody>
-          <a:bodyPr>
-            <a:normAutofit fontScale="92500" lnSpcReduction="10000"/>
-          </a:bodyPr>
-          <a:lstStyle/>
-          <a:p>
-            <a:r>
-              <a:rPr lang="en-US" sz="2400" b="1" dirty="0">
-                <a:effectLst/>
-                <a:latin typeface="+mj-lt"/>
-                <a:ea typeface="Calibri" panose="020F0502020204030204" pitchFamily="34" charset="0"/>
-              </a:rPr>
-              <a:t>Traditionally, restaurant management involved a lot of manual processes and paperwork, which made it time-consuming, mistake, and inefficient. </a:t>
-            </a:r>
-          </a:p>
-          <a:p>
-            <a:r>
-              <a:rPr lang="en-US" sz="2000" dirty="0">
-                <a:latin typeface="+mj-lt"/>
-                <a:ea typeface="Calibri" panose="020F0502020204030204" pitchFamily="34" charset="0"/>
-              </a:rPr>
-              <a:t>Existing system is maintained manually , </a:t>
-            </a:r>
-            <a:r>
-              <a:rPr lang="en-US" sz="2000" dirty="0">
-                <a:effectLst/>
-                <a:latin typeface="+mj-lt"/>
-                <a:ea typeface="Calibri" panose="020F0502020204030204" pitchFamily="34" charset="0"/>
-              </a:rPr>
-              <a:t>which often resulted in miscommunication , delays and customer dissatisfaction.</a:t>
-            </a:r>
-            <a:endParaRPr lang="en-US" sz="2000" dirty="0">
-              <a:latin typeface="+mj-lt"/>
-              <a:ea typeface="Calibri" panose="020F0502020204030204" pitchFamily="34" charset="0"/>
-            </a:endParaRPr>
-          </a:p>
-          <a:p>
-            <a:r>
-              <a:rPr lang="en-US" sz="2000" dirty="0">
-                <a:latin typeface="+mj-lt"/>
-                <a:ea typeface="Calibri" panose="020F0502020204030204" pitchFamily="34" charset="0"/>
-              </a:rPr>
-              <a:t>M</a:t>
-            </a:r>
-            <a:r>
-              <a:rPr lang="en-US" sz="2000" dirty="0">
-                <a:effectLst/>
-                <a:latin typeface="+mj-lt"/>
-                <a:ea typeface="Calibri" panose="020F0502020204030204" pitchFamily="34" charset="0"/>
-              </a:rPr>
-              <a:t>anually taking orders from customers and sending them to the kitchen staff.</a:t>
-            </a:r>
-          </a:p>
-          <a:p>
-            <a:r>
-              <a:rPr lang="en-US" dirty="0">
-                <a:latin typeface="+mj-lt"/>
-                <a:ea typeface="Calibri" panose="020F0502020204030204" pitchFamily="34" charset="0"/>
-                <a:cs typeface="Times New Roman" panose="02020603050405020304" pitchFamily="18" charset="0"/>
-              </a:rPr>
-              <a:t>Reports are not easily generated whenever it is needed.</a:t>
-            </a:r>
-          </a:p>
-          <a:p>
-            <a:r>
-              <a:rPr lang="en-US" dirty="0">
-                <a:effectLst/>
-                <a:latin typeface="+mj-lt"/>
-                <a:ea typeface="Calibri" panose="020F0502020204030204" pitchFamily="34" charset="0"/>
-                <a:cs typeface="Times New Roman" panose="02020603050405020304" pitchFamily="18" charset="0"/>
-              </a:rPr>
-              <a:t>Less accuracy</a:t>
-            </a:r>
-          </a:p>
-          <a:p>
-            <a:endParaRPr lang="en-US" dirty="0"/>
-          </a:p>
-          <a:p>
-            <a:endParaRPr lang="en-US" dirty="0"/>
-          </a:p>
-          <a:p>
-            <a:endParaRPr lang="en-US" dirty="0"/>
-          </a:p>
-        </p:txBody>
-      </p:sp>
-    </p:spTree>
-    <p:extLst>
-      <p:ext uri="{BB962C8B-B14F-4D97-AF65-F5344CB8AC3E}">
-        <p14:creationId xmlns:p14="http://schemas.microsoft.com/office/powerpoint/2010/main" val="3391309657"/>
-      </p:ext>
-    </p:extLst>
-  </p:cSld>
-  <p:clrMapOvr>
-    <a:masterClrMapping/>
-  </p:clrMapOvr>
-</p:sld>
-</file>
-
-<file path=ppt/slides/slide4.xml><?xml version="1.0" encoding="utf-8"?>
-<p:sld xmlns:a="http://schemas.openxmlformats.org/drawingml/2006/main" xmlns:r="http://schemas.openxmlformats.org/officeDocument/2006/relationships" xmlns:p="http://schemas.openxmlformats.org/presentationml/2006/main">
-  <p:cSld>
-    <p:spTree>
-      <p:nvGrpSpPr>
-        <p:cNvPr id="1" name=""/>
-        <p:cNvGrpSpPr/>
-        <p:nvPr/>
-      </p:nvGrpSpPr>
-      <p:grpSpPr>
-        <a:xfrm>
-          <a:off x="0" y="0"/>
-          <a:ext cx="0" cy="0"/>
-          <a:chOff x="0" y="0"/>
-          <a:chExt cx="0" cy="0"/>
-        </a:xfrm>
-      </p:grpSpPr>
-      <p:sp>
-        <p:nvSpPr>
-          <p:cNvPr id="2" name="Title 1">
-            <a:extLst>
-              <a:ext uri="{FF2B5EF4-FFF2-40B4-BE49-F238E27FC236}">
-                <a16:creationId xmlns:a16="http://schemas.microsoft.com/office/drawing/2014/main" id="{F1FE2BF8-33FE-C0CE-8142-1073DE68C342}"/>
-              </a:ext>
-            </a:extLst>
-          </p:cNvPr>
-          <p:cNvSpPr>
-            <a:spLocks noGrp="1"/>
-          </p:cNvSpPr>
-          <p:nvPr>
-            <p:ph type="title"/>
-          </p:nvPr>
-        </p:nvSpPr>
-        <p:spPr/>
-        <p:txBody>
-          <a:bodyPr/>
-          <a:lstStyle/>
-          <a:p>
-            <a:r>
-              <a:rPr lang="en-US" dirty="0"/>
-              <a:t>Drawbacks of existing system </a:t>
-            </a:r>
-            <a:br>
-              <a:rPr lang="en-US" dirty="0"/>
-            </a:br>
-            <a:endParaRPr lang="en-US" dirty="0"/>
-          </a:p>
-        </p:txBody>
-      </p:sp>
-      <p:sp>
-        <p:nvSpPr>
-          <p:cNvPr id="3" name="Content Placeholder 2">
-            <a:extLst>
-              <a:ext uri="{FF2B5EF4-FFF2-40B4-BE49-F238E27FC236}">
-                <a16:creationId xmlns:a16="http://schemas.microsoft.com/office/drawing/2014/main" id="{7C0638D5-42C2-D06E-0BC4-1CB1173EE21F}"/>
-              </a:ext>
-            </a:extLst>
-          </p:cNvPr>
-          <p:cNvSpPr>
-            <a:spLocks noGrp="1"/>
-          </p:cNvSpPr>
-          <p:nvPr>
-            <p:ph idx="1"/>
-          </p:nvPr>
-        </p:nvSpPr>
-        <p:spPr/>
-        <p:txBody>
-          <a:bodyPr>
-            <a:normAutofit/>
-          </a:bodyPr>
-          <a:lstStyle/>
-          <a:p>
-            <a:r>
-              <a:rPr lang="en-US" sz="1800" dirty="0">
-                <a:effectLst/>
-                <a:latin typeface="+mj-lt"/>
-                <a:ea typeface="Calibri" panose="020F0502020204030204" pitchFamily="34" charset="0"/>
-              </a:rPr>
-              <a:t>Traditionally, restaurant management involved a lot of manual processes and paperwork, which made it time-consuming, mistake, and inefficient. </a:t>
-            </a:r>
-          </a:p>
-          <a:p>
-            <a:r>
-              <a:rPr lang="en-US" dirty="0">
-                <a:latin typeface="+mj-lt"/>
-                <a:ea typeface="Calibri" panose="020F0502020204030204" pitchFamily="34" charset="0"/>
-              </a:rPr>
-              <a:t>Ex</a:t>
-            </a:r>
-            <a:r>
-              <a:rPr lang="en-US" b="1" dirty="0">
-                <a:latin typeface="+mj-lt"/>
-                <a:ea typeface="Calibri" panose="020F0502020204030204" pitchFamily="34" charset="0"/>
-              </a:rPr>
-              <a:t>isting system is maintained manually , </a:t>
-            </a:r>
-            <a:r>
-              <a:rPr lang="en-US" b="1" dirty="0">
-                <a:effectLst/>
-                <a:latin typeface="+mj-lt"/>
-                <a:ea typeface="Calibri" panose="020F0502020204030204" pitchFamily="34" charset="0"/>
-              </a:rPr>
-              <a:t>which often resulted in miscommunication, </a:t>
-            </a:r>
-            <a:r>
-              <a:rPr lang="en-US" sz="2000" b="1" dirty="0">
-                <a:effectLst/>
-                <a:latin typeface="+mj-lt"/>
-                <a:ea typeface="Calibri" panose="020F0502020204030204" pitchFamily="34" charset="0"/>
-              </a:rPr>
-              <a:t>delays and customer dissatisfaction.</a:t>
-            </a:r>
-            <a:endParaRPr lang="en-US" sz="2000" b="1" dirty="0">
-              <a:latin typeface="+mj-lt"/>
-              <a:ea typeface="Calibri" panose="020F0502020204030204" pitchFamily="34" charset="0"/>
-            </a:endParaRPr>
-          </a:p>
-          <a:p>
-            <a:r>
-              <a:rPr lang="en-US" b="1" dirty="0">
-                <a:latin typeface="+mj-lt"/>
-                <a:ea typeface="Calibri" panose="020F0502020204030204" pitchFamily="34" charset="0"/>
-              </a:rPr>
-              <a:t>M</a:t>
-            </a:r>
-            <a:r>
-              <a:rPr lang="en-US" b="1" dirty="0">
-                <a:effectLst/>
-                <a:latin typeface="+mj-lt"/>
-                <a:ea typeface="Calibri" panose="020F0502020204030204" pitchFamily="34" charset="0"/>
-              </a:rPr>
-              <a:t>anually taking orders from customers and sending them to the kitchen staff.</a:t>
-            </a:r>
-          </a:p>
-          <a:p>
-            <a:r>
-              <a:rPr lang="en-US" sz="1800" dirty="0">
-                <a:latin typeface="+mj-lt"/>
-                <a:ea typeface="Calibri" panose="020F0502020204030204" pitchFamily="34" charset="0"/>
-                <a:cs typeface="Times New Roman" panose="02020603050405020304" pitchFamily="18" charset="0"/>
-              </a:rPr>
-              <a:t>Reports are not easily generated whenever it is needed.</a:t>
-            </a:r>
-          </a:p>
-          <a:p>
-            <a:r>
-              <a:rPr lang="en-US" sz="1800" dirty="0">
-                <a:effectLst/>
-                <a:latin typeface="+mj-lt"/>
-                <a:ea typeface="Calibri" panose="020F0502020204030204" pitchFamily="34" charset="0"/>
-                <a:cs typeface="Times New Roman" panose="02020603050405020304" pitchFamily="18" charset="0"/>
-              </a:rPr>
-              <a:t>Less accuracy</a:t>
-            </a:r>
-          </a:p>
-          <a:p>
-            <a:endParaRPr lang="en-US" dirty="0"/>
-          </a:p>
-        </p:txBody>
-      </p:sp>
-    </p:spTree>
-    <p:extLst>
-      <p:ext uri="{BB962C8B-B14F-4D97-AF65-F5344CB8AC3E}">
-        <p14:creationId xmlns:p14="http://schemas.microsoft.com/office/powerpoint/2010/main" val="1083456059"/>
-      </p:ext>
-    </p:extLst>
-  </p:cSld>
-  <p:clrMapOvr>
-    <a:masterClrMapping/>
-  </p:clrMapOvr>
-</p:sld>
-</file>
-
-<file path=ppt/slides/slide5.xml><?xml version="1.0" encoding="utf-8"?>
-<p:sld xmlns:a="http://schemas.openxmlformats.org/drawingml/2006/main" xmlns:r="http://schemas.openxmlformats.org/officeDocument/2006/relationships" xmlns:p="http://schemas.openxmlformats.org/presentationml/2006/main">
-  <p:cSld>
-    <p:spTree>
-      <p:nvGrpSpPr>
-        <p:cNvPr id="1" name=""/>
-        <p:cNvGrpSpPr/>
-        <p:nvPr/>
-      </p:nvGrpSpPr>
-      <p:grpSpPr>
-        <a:xfrm>
-          <a:off x="0" y="0"/>
-          <a:ext cx="0" cy="0"/>
-          <a:chOff x="0" y="0"/>
-          <a:chExt cx="0" cy="0"/>
-        </a:xfrm>
-      </p:grpSpPr>
-      <p:sp>
-        <p:nvSpPr>
-          <p:cNvPr id="2" name="Title 1">
-            <a:extLst>
-              <a:ext uri="{FF2B5EF4-FFF2-40B4-BE49-F238E27FC236}">
-                <a16:creationId xmlns:a16="http://schemas.microsoft.com/office/drawing/2014/main" id="{F1FE2BF8-33FE-C0CE-8142-1073DE68C342}"/>
-              </a:ext>
-            </a:extLst>
-          </p:cNvPr>
-          <p:cNvSpPr>
-            <a:spLocks noGrp="1"/>
-          </p:cNvSpPr>
-          <p:nvPr>
-            <p:ph type="title"/>
-          </p:nvPr>
-        </p:nvSpPr>
-        <p:spPr/>
-        <p:txBody>
-          <a:bodyPr/>
-          <a:lstStyle/>
-          <a:p>
-            <a:r>
-              <a:rPr lang="en-US" dirty="0"/>
-              <a:t>Drawbacks of existing system </a:t>
-            </a:r>
-            <a:br>
-              <a:rPr lang="en-US" dirty="0"/>
-            </a:br>
-            <a:endParaRPr lang="en-US" dirty="0"/>
-          </a:p>
-        </p:txBody>
-      </p:sp>
-      <p:sp>
-        <p:nvSpPr>
-          <p:cNvPr id="3" name="Content Placeholder 2">
-            <a:extLst>
-              <a:ext uri="{FF2B5EF4-FFF2-40B4-BE49-F238E27FC236}">
-                <a16:creationId xmlns:a16="http://schemas.microsoft.com/office/drawing/2014/main" id="{7C0638D5-42C2-D06E-0BC4-1CB1173EE21F}"/>
-              </a:ext>
-            </a:extLst>
-          </p:cNvPr>
-          <p:cNvSpPr>
-            <a:spLocks noGrp="1"/>
-          </p:cNvSpPr>
-          <p:nvPr>
-            <p:ph idx="1"/>
-          </p:nvPr>
-        </p:nvSpPr>
-        <p:spPr/>
-        <p:txBody>
-          <a:bodyPr>
-            <a:normAutofit/>
-          </a:bodyPr>
-          <a:lstStyle/>
-          <a:p>
-            <a:r>
-              <a:rPr lang="en-US" sz="1800" dirty="0">
-                <a:effectLst/>
-                <a:latin typeface="+mj-lt"/>
-                <a:ea typeface="Calibri" panose="020F0502020204030204" pitchFamily="34" charset="0"/>
-              </a:rPr>
-              <a:t>Traditionally, restaurant management involved a lot of manual processes and paperwork, which made it time-consuming, mistake, and inefficient. </a:t>
-            </a:r>
-          </a:p>
-          <a:p>
-            <a:r>
-              <a:rPr lang="en-US" sz="1800" dirty="0">
-                <a:latin typeface="+mj-lt"/>
-                <a:ea typeface="Calibri" panose="020F0502020204030204" pitchFamily="34" charset="0"/>
-              </a:rPr>
-              <a:t>Existing system is maintained manually , </a:t>
-            </a:r>
-            <a:r>
-              <a:rPr lang="en-US" sz="1800" dirty="0">
-                <a:effectLst/>
-                <a:latin typeface="+mj-lt"/>
-                <a:ea typeface="Calibri" panose="020F0502020204030204" pitchFamily="34" charset="0"/>
-              </a:rPr>
-              <a:t>which often resulted in miscommunication, delays and customer dissatisfaction.</a:t>
-            </a:r>
-            <a:endParaRPr lang="en-US" sz="1800" dirty="0">
-              <a:latin typeface="+mj-lt"/>
-              <a:ea typeface="Calibri" panose="020F0502020204030204" pitchFamily="34" charset="0"/>
-            </a:endParaRPr>
-          </a:p>
-          <a:p>
-            <a:r>
-              <a:rPr lang="en-US" sz="1800" dirty="0">
-                <a:latin typeface="+mj-lt"/>
-                <a:ea typeface="Calibri" panose="020F0502020204030204" pitchFamily="34" charset="0"/>
-              </a:rPr>
-              <a:t>M</a:t>
-            </a:r>
-            <a:r>
-              <a:rPr lang="en-US" sz="1800" dirty="0">
-                <a:effectLst/>
-                <a:latin typeface="+mj-lt"/>
-                <a:ea typeface="Calibri" panose="020F0502020204030204" pitchFamily="34" charset="0"/>
-              </a:rPr>
-              <a:t>anually taking orders from customers and sending them to the kitchen staff.</a:t>
-            </a:r>
-          </a:p>
-          <a:p>
-            <a:r>
-              <a:rPr lang="en-US" b="1" dirty="0">
-                <a:latin typeface="+mj-lt"/>
-                <a:ea typeface="Calibri" panose="020F0502020204030204" pitchFamily="34" charset="0"/>
-                <a:cs typeface="Times New Roman" panose="02020603050405020304" pitchFamily="18" charset="0"/>
-              </a:rPr>
-              <a:t>Reports are not easily generated whenever it is needed.</a:t>
-            </a:r>
-          </a:p>
-          <a:p>
-            <a:r>
-              <a:rPr lang="en-US" b="1" dirty="0">
-                <a:effectLst/>
-                <a:latin typeface="+mj-lt"/>
-                <a:ea typeface="Calibri" panose="020F0502020204030204" pitchFamily="34" charset="0"/>
-                <a:cs typeface="Times New Roman" panose="02020603050405020304" pitchFamily="18" charset="0"/>
-              </a:rPr>
-              <a:t>Less accuracy</a:t>
-            </a:r>
-          </a:p>
-          <a:p>
-            <a:endParaRPr lang="en-US" dirty="0"/>
-          </a:p>
-        </p:txBody>
-      </p:sp>
-    </p:spTree>
-    <p:extLst>
-      <p:ext uri="{BB962C8B-B14F-4D97-AF65-F5344CB8AC3E}">
-        <p14:creationId xmlns:p14="http://schemas.microsoft.com/office/powerpoint/2010/main" val="1380348386"/>
-      </p:ext>
-    </p:extLst>
-  </p:cSld>
-  <p:clrMapOvr>
-    <a:masterClrMapping/>
-  </p:clrMapOvr>
-</p:sld>
-</file>
-
-<file path=ppt/slides/slide6.xml><?xml version="1.0" encoding="utf-8"?>
-<p:sld xmlns:a="http://schemas.openxmlformats.org/drawingml/2006/main" xmlns:r="http://schemas.openxmlformats.org/officeDocument/2006/relationships" xmlns:p="http://schemas.openxmlformats.org/presentationml/2006/main">
-  <p:cSld>
-    <p:spTree>
-      <p:nvGrpSpPr>
-        <p:cNvPr id="1" name=""/>
-        <p:cNvGrpSpPr/>
-        <p:nvPr/>
-      </p:nvGrpSpPr>
-      <p:grpSpPr>
-        <a:xfrm>
-          <a:off x="0" y="0"/>
-          <a:ext cx="0" cy="0"/>
-          <a:chOff x="0" y="0"/>
-          <a:chExt cx="0" cy="0"/>
-        </a:xfrm>
-      </p:grpSpPr>
-      <p:sp>
-        <p:nvSpPr>
-          <p:cNvPr id="2" name="Title 1">
-            <a:extLst>
-              <a:ext uri="{FF2B5EF4-FFF2-40B4-BE49-F238E27FC236}">
-                <a16:creationId xmlns:a16="http://schemas.microsoft.com/office/drawing/2014/main" id="{F6BC4DF2-D6F6-498C-AD8D-25426BBBBF8F}"/>
-              </a:ext>
-            </a:extLst>
-          </p:cNvPr>
-          <p:cNvSpPr>
-            <a:spLocks noGrp="1"/>
-          </p:cNvSpPr>
-          <p:nvPr>
-            <p:ph type="title"/>
-          </p:nvPr>
-        </p:nvSpPr>
-        <p:spPr/>
-        <p:txBody>
-          <a:bodyPr/>
-          <a:lstStyle/>
-          <a:p>
-            <a:r>
-              <a:rPr lang="en-US" dirty="0"/>
-              <a:t>Statement of problem (sop)</a:t>
-            </a:r>
-          </a:p>
-        </p:txBody>
-      </p:sp>
-      <p:sp>
-        <p:nvSpPr>
-          <p:cNvPr id="3" name="Content Placeholder 2">
-            <a:extLst>
-              <a:ext uri="{FF2B5EF4-FFF2-40B4-BE49-F238E27FC236}">
-                <a16:creationId xmlns:a16="http://schemas.microsoft.com/office/drawing/2014/main" id="{07278DF4-399E-1AD8-9229-7A01281DFED1}"/>
-              </a:ext>
-            </a:extLst>
-          </p:cNvPr>
-          <p:cNvSpPr>
-            <a:spLocks noGrp="1"/>
-          </p:cNvSpPr>
-          <p:nvPr>
-            <p:ph idx="1"/>
-          </p:nvPr>
-        </p:nvSpPr>
-        <p:spPr/>
-        <p:txBody>
-          <a:bodyPr>
-            <a:normAutofit/>
-          </a:bodyPr>
-          <a:lstStyle/>
-          <a:p>
-            <a:pPr marL="0" indent="0">
-              <a:buNone/>
-            </a:pPr>
-            <a:r>
-              <a:rPr lang="en-US" dirty="0"/>
-              <a:t>Some potential problems and challenges in restaurant management system are:</a:t>
-            </a:r>
-          </a:p>
-          <a:p>
-            <a:r>
-              <a:rPr lang="en-US" sz="1800" b="1" dirty="0">
-                <a:solidFill>
-                  <a:srgbClr val="000000"/>
-                </a:solidFill>
-                <a:effectLst/>
-                <a:latin typeface="+mj-lt"/>
-                <a:ea typeface="Calibri" panose="020F0502020204030204" pitchFamily="34" charset="0"/>
-                <a:cs typeface="Times New Roman" panose="02020603050405020304" pitchFamily="18" charset="0"/>
-              </a:rPr>
-              <a:t>Inaccurate inventory management:</a:t>
-            </a:r>
-            <a:r>
-              <a:rPr lang="en-US" sz="1800" dirty="0">
-                <a:solidFill>
-                  <a:srgbClr val="000000"/>
-                </a:solidFill>
-                <a:effectLst/>
-                <a:latin typeface="Times New Roman" panose="02020603050405020304" pitchFamily="18" charset="0"/>
-                <a:ea typeface="Calibri" panose="020F0502020204030204" pitchFamily="34" charset="0"/>
-              </a:rPr>
-              <a:t> </a:t>
-            </a:r>
-          </a:p>
-          <a:p>
-            <a:pPr marL="457200" lvl="1" indent="0">
-              <a:buNone/>
-            </a:pPr>
-            <a:r>
-              <a:rPr lang="en-US" dirty="0">
-                <a:solidFill>
-                  <a:srgbClr val="000000"/>
-                </a:solidFill>
-                <a:latin typeface="+mj-lt"/>
-                <a:ea typeface="Calibri" panose="020F0502020204030204" pitchFamily="34" charset="0"/>
-              </a:rPr>
-              <a:t>O</a:t>
-            </a:r>
-            <a:r>
-              <a:rPr lang="en-US" dirty="0">
-                <a:solidFill>
-                  <a:srgbClr val="000000"/>
-                </a:solidFill>
-                <a:effectLst/>
-                <a:latin typeface="+mj-lt"/>
-                <a:ea typeface="Calibri" panose="020F0502020204030204" pitchFamily="34" charset="0"/>
-              </a:rPr>
-              <a:t>verstocking or stock shortages, which can lead to wasted food, increased costs, and lost revenue.</a:t>
-            </a:r>
-            <a:endParaRPr lang="en-US" b="1" dirty="0">
-              <a:solidFill>
-                <a:srgbClr val="000000"/>
-              </a:solidFill>
-              <a:latin typeface="+mj-lt"/>
-              <a:ea typeface="Calibri" panose="020F0502020204030204" pitchFamily="34" charset="0"/>
-              <a:cs typeface="Times New Roman" panose="02020603050405020304" pitchFamily="18" charset="0"/>
-            </a:endParaRPr>
-          </a:p>
-          <a:p>
-            <a:r>
-              <a:rPr lang="en-US" sz="1800" b="1" dirty="0">
-                <a:effectLst/>
-                <a:latin typeface="+mj-lt"/>
-                <a:ea typeface="Calibri" panose="020F0502020204030204" pitchFamily="34" charset="0"/>
-                <a:cs typeface="Times New Roman" panose="02020603050405020304" pitchFamily="18" charset="0"/>
-              </a:rPr>
-              <a:t>Poor customer service :</a:t>
-            </a:r>
-          </a:p>
-          <a:p>
-            <a:pPr marL="457200" lvl="1" indent="0">
-              <a:buNone/>
-            </a:pPr>
-            <a:r>
-              <a:rPr lang="en-US" sz="1600" b="1" dirty="0">
-                <a:effectLst/>
-                <a:latin typeface="+mj-lt"/>
-                <a:ea typeface="Calibri" panose="020F0502020204030204" pitchFamily="34" charset="0"/>
-                <a:cs typeface="Times New Roman" panose="02020603050405020304" pitchFamily="18" charset="0"/>
-              </a:rPr>
-              <a:t> </a:t>
-            </a:r>
-            <a:r>
-              <a:rPr lang="en-US" dirty="0">
-                <a:solidFill>
-                  <a:srgbClr val="000000"/>
-                </a:solidFill>
-                <a:effectLst/>
-                <a:ea typeface="Calibri" panose="020F0502020204030204" pitchFamily="34" charset="0"/>
-                <a:cs typeface="Times New Roman" panose="02020603050405020304" pitchFamily="18" charset="0"/>
-              </a:rPr>
-              <a:t>Long wait times, inaccurate orders, and other service-related issues can lead to customer dissatisfaction and negative reviews, which can harm the restaurant's reputation and profitability.</a:t>
-            </a:r>
-            <a:endParaRPr lang="en-US" dirty="0">
-              <a:effectLst/>
-              <a:ea typeface="Calibri" panose="020F0502020204030204" pitchFamily="34" charset="0"/>
-              <a:cs typeface="Times New Roman" panose="02020603050405020304" pitchFamily="18" charset="0"/>
-            </a:endParaRPr>
-          </a:p>
-          <a:p>
-            <a:pPr marL="0" indent="0">
-              <a:buNone/>
-            </a:pPr>
-            <a:endParaRPr lang="en-US" sz="1800" dirty="0">
-              <a:effectLst/>
-              <a:latin typeface="+mj-lt"/>
-              <a:ea typeface="Calibri" panose="020F0502020204030204" pitchFamily="34" charset="0"/>
-              <a:cs typeface="Times New Roman" panose="02020603050405020304" pitchFamily="18" charset="0"/>
-            </a:endParaRPr>
-          </a:p>
-        </p:txBody>
-      </p:sp>
-    </p:spTree>
-    <p:extLst>
-      <p:ext uri="{BB962C8B-B14F-4D97-AF65-F5344CB8AC3E}">
-        <p14:creationId xmlns:p14="http://schemas.microsoft.com/office/powerpoint/2010/main" val="4165603280"/>
-      </p:ext>
-    </p:extLst>
-  </p:cSld>
-  <p:clrMapOvr>
-    <a:masterClrMapping/>
-  </p:clrMapOvr>
-</p:sld>
-</file>
-
-<file path=ppt/slides/slide7.xml><?xml version="1.0" encoding="utf-8"?>
-<p:sld xmlns:a="http://schemas.openxmlformats.org/drawingml/2006/main" xmlns:r="http://schemas.openxmlformats.org/officeDocument/2006/relationships" xmlns:p="http://schemas.openxmlformats.org/presentationml/2006/main">
-  <p:cSld>
-    <p:spTree>
-      <p:nvGrpSpPr>
-        <p:cNvPr id="1" name=""/>
-        <p:cNvGrpSpPr/>
-        <p:nvPr/>
-      </p:nvGrpSpPr>
-      <p:grpSpPr>
-        <a:xfrm>
-          <a:off x="0" y="0"/>
-          <a:ext cx="0" cy="0"/>
-          <a:chOff x="0" y="0"/>
-          <a:chExt cx="0" cy="0"/>
-        </a:xfrm>
-      </p:grpSpPr>
-      <p:sp>
-        <p:nvSpPr>
-          <p:cNvPr id="2" name="Title 1">
-            <a:extLst>
-              <a:ext uri="{FF2B5EF4-FFF2-40B4-BE49-F238E27FC236}">
-                <a16:creationId xmlns:a16="http://schemas.microsoft.com/office/drawing/2014/main" id="{D90C94A1-2ED2-7539-1885-46AB77FDA50C}"/>
-              </a:ext>
-            </a:extLst>
-          </p:cNvPr>
-          <p:cNvSpPr>
-            <a:spLocks noGrp="1"/>
-          </p:cNvSpPr>
-          <p:nvPr>
-            <p:ph type="title"/>
-          </p:nvPr>
-        </p:nvSpPr>
-        <p:spPr/>
-        <p:txBody>
-          <a:bodyPr/>
-          <a:lstStyle/>
-          <a:p>
-            <a:r>
-              <a:rPr lang="en-US" dirty="0"/>
-              <a:t>objective</a:t>
-            </a:r>
-          </a:p>
-        </p:txBody>
-      </p:sp>
-      <p:sp>
-        <p:nvSpPr>
-          <p:cNvPr id="3" name="Content Placeholder 2">
-            <a:extLst>
-              <a:ext uri="{FF2B5EF4-FFF2-40B4-BE49-F238E27FC236}">
-                <a16:creationId xmlns:a16="http://schemas.microsoft.com/office/drawing/2014/main" id="{B9F486AB-D6AD-D2E0-D4E9-B396E55FA4AD}"/>
-              </a:ext>
-            </a:extLst>
-          </p:cNvPr>
-          <p:cNvSpPr>
-            <a:spLocks noGrp="1"/>
-          </p:cNvSpPr>
-          <p:nvPr>
-            <p:ph idx="1"/>
-          </p:nvPr>
-        </p:nvSpPr>
-        <p:spPr/>
-        <p:txBody>
-          <a:bodyPr>
-            <a:normAutofit/>
-          </a:bodyPr>
-          <a:lstStyle/>
-          <a:p>
-            <a:pPr marL="800100" lvl="1" indent="-342900" algn="just" fontAlgn="base">
-              <a:spcBef>
-                <a:spcPts val="0"/>
-              </a:spcBef>
-              <a:spcAft>
-                <a:spcPts val="1500"/>
-              </a:spcAft>
-              <a:buFont typeface="Symbol" panose="05050102010706020507" pitchFamily="18" charset="2"/>
-              <a:buChar char=""/>
-            </a:pPr>
-            <a:r>
-              <a:rPr lang="en-US" spc="75" dirty="0">
-                <a:solidFill>
-                  <a:srgbClr val="000000"/>
-                </a:solidFill>
-                <a:effectLst/>
-                <a:ea typeface="Times New Roman" panose="02020603050405020304" pitchFamily="18" charset="0"/>
-              </a:rPr>
-              <a:t>To maximize profit by increasing efficiency without compromising customer satisfaction.</a:t>
-            </a:r>
-            <a:endParaRPr lang="en-US" dirty="0">
-              <a:effectLst/>
-              <a:ea typeface="Times New Roman" panose="02020603050405020304" pitchFamily="18" charset="0"/>
-            </a:endParaRPr>
-          </a:p>
-          <a:p>
-            <a:pPr marL="800100" lvl="1" indent="-342900">
-              <a:lnSpc>
-                <a:spcPct val="115000"/>
-              </a:lnSpc>
-              <a:spcBef>
-                <a:spcPts val="0"/>
-              </a:spcBef>
-              <a:spcAft>
-                <a:spcPts val="1000"/>
-              </a:spcAft>
-              <a:buFont typeface="Symbol" panose="05050102010706020507" pitchFamily="18" charset="2"/>
-              <a:buChar char=""/>
-              <a:tabLst>
-                <a:tab pos="971550" algn="l"/>
-              </a:tabLst>
-            </a:pPr>
-            <a:r>
-              <a:rPr lang="en-US" dirty="0">
-                <a:effectLst/>
-                <a:ea typeface="Calibri" panose="020F0502020204030204" pitchFamily="34" charset="0"/>
-                <a:cs typeface="Times New Roman" panose="02020603050405020304" pitchFamily="18" charset="0"/>
-              </a:rPr>
-              <a:t>To </a:t>
-            </a:r>
-            <a:r>
-              <a:rPr lang="en-US" dirty="0">
-                <a:solidFill>
-                  <a:srgbClr val="000000"/>
-                </a:solidFill>
-                <a:effectLst/>
-                <a:ea typeface="Calibri" panose="020F0502020204030204" pitchFamily="34" charset="0"/>
-                <a:cs typeface="Times New Roman" panose="02020603050405020304" pitchFamily="18" charset="0"/>
-              </a:rPr>
-              <a:t>reduce the time and cost associated with restaurant management </a:t>
-            </a:r>
-          </a:p>
-          <a:p>
-            <a:pPr marL="800100" lvl="1" indent="-342900">
-              <a:lnSpc>
-                <a:spcPct val="115000"/>
-              </a:lnSpc>
-              <a:spcBef>
-                <a:spcPts val="0"/>
-              </a:spcBef>
-              <a:spcAft>
-                <a:spcPts val="1000"/>
-              </a:spcAft>
-              <a:buFont typeface="Symbol" panose="05050102010706020507" pitchFamily="18" charset="2"/>
-              <a:buChar char=""/>
-              <a:tabLst>
-                <a:tab pos="971550" algn="l"/>
-              </a:tabLst>
-            </a:pPr>
-            <a:r>
-              <a:rPr lang="en-US" spc="75" dirty="0">
-                <a:solidFill>
-                  <a:srgbClr val="000000"/>
-                </a:solidFill>
-                <a:effectLst/>
-                <a:ea typeface="Times New Roman" panose="02020603050405020304" pitchFamily="18" charset="0"/>
-              </a:rPr>
-              <a:t>To reduce paper-based system and improve communication.</a:t>
-            </a:r>
-            <a:endParaRPr lang="en-US" dirty="0">
-              <a:effectLst/>
-              <a:ea typeface="Times New Roman" panose="02020603050405020304" pitchFamily="18" charset="0"/>
-            </a:endParaRPr>
-          </a:p>
-          <a:p>
-            <a:pPr marL="800100" lvl="1" indent="-342900" algn="just" fontAlgn="base">
-              <a:spcBef>
-                <a:spcPts val="0"/>
-              </a:spcBef>
-              <a:spcAft>
-                <a:spcPts val="1500"/>
-              </a:spcAft>
-              <a:buFont typeface="Symbol" panose="05050102010706020507" pitchFamily="18" charset="2"/>
-              <a:buChar char=""/>
-            </a:pPr>
-            <a:r>
-              <a:rPr lang="en-US" spc="75" dirty="0">
-                <a:solidFill>
-                  <a:srgbClr val="000000"/>
-                </a:solidFill>
-                <a:effectLst/>
-                <a:ea typeface="Times New Roman" panose="02020603050405020304" pitchFamily="18" charset="0"/>
-              </a:rPr>
-              <a:t>To provide fast and efficient services to the customer.</a:t>
-            </a:r>
-            <a:endParaRPr lang="en-US" dirty="0">
-              <a:effectLst/>
-              <a:ea typeface="Times New Roman" panose="02020603050405020304" pitchFamily="18" charset="0"/>
-            </a:endParaRPr>
-          </a:p>
-          <a:p>
-            <a:pPr marL="800100" lvl="1" indent="-342900">
-              <a:lnSpc>
-                <a:spcPct val="115000"/>
-              </a:lnSpc>
-              <a:spcBef>
-                <a:spcPts val="0"/>
-              </a:spcBef>
-              <a:spcAft>
-                <a:spcPts val="1000"/>
-              </a:spcAft>
-              <a:buFont typeface="Symbol" panose="05050102010706020507" pitchFamily="18" charset="2"/>
-              <a:buChar char=""/>
-              <a:tabLst>
-                <a:tab pos="971550" algn="l"/>
-              </a:tabLst>
-            </a:pPr>
-            <a:r>
-              <a:rPr lang="en-US" dirty="0">
-                <a:effectLst/>
-                <a:ea typeface="Calibri" panose="020F0502020204030204" pitchFamily="34" charset="0"/>
-                <a:cs typeface="Times New Roman" panose="02020603050405020304" pitchFamily="18" charset="0"/>
-              </a:rPr>
-              <a:t>To manage orders, track inventory and generate bills in real-time.</a:t>
-            </a:r>
-          </a:p>
-          <a:p>
-            <a:endParaRPr lang="en-US" dirty="0"/>
-          </a:p>
-        </p:txBody>
-      </p:sp>
-    </p:spTree>
-    <p:extLst>
-      <p:ext uri="{BB962C8B-B14F-4D97-AF65-F5344CB8AC3E}">
-        <p14:creationId xmlns:p14="http://schemas.microsoft.com/office/powerpoint/2010/main" val="3413247511"/>
-      </p:ext>
-    </p:extLst>
-  </p:cSld>
-  <p:clrMapOvr>
-    <a:masterClrMapping/>
-  </p:clrMapOvr>
-</p:sld>
-</file>
-
 <file path=ppt/slides/slide8.xml><?xml version="1.0" encoding="utf-8"?>
 <p:sld xmlns:a="http://schemas.openxmlformats.org/drawingml/2006/main" xmlns:r="http://schemas.openxmlformats.org/officeDocument/2006/relationships" xmlns:p="http://schemas.openxmlformats.org/presentationml/2006/main">
   <p:cSld>
@@ -5919,7 +5939,7 @@
           <p:cNvPr id="2" name="Title 1">
             <a:extLst>
               <a:ext uri="{FF2B5EF4-FFF2-40B4-BE49-F238E27FC236}">
-                <a16:creationId xmlns:a16="http://schemas.microsoft.com/office/drawing/2014/main" id="{F3E11BBE-0AE3-2DA0-CFA3-A07737495FC5}"/>
+                <a16:creationId xmlns:a16="http://schemas.microsoft.com/office/drawing/2014/main" id="{8367BC6A-94E1-21A2-8205-FCBF96ABD7C3}"/>
               </a:ext>
             </a:extLst>
           </p:cNvPr>
@@ -5937,7 +5957,7 @@
           <a:p>
             <a:r>
               <a:rPr lang="en-US" dirty="0"/>
-              <a:t>Operational feasibility</a:t>
+              <a:t>Implementation</a:t>
             </a:r>
           </a:p>
         </p:txBody>
@@ -5947,7 +5967,7 @@
           <p:cNvPr id="3" name="Content Placeholder 2">
             <a:extLst>
               <a:ext uri="{FF2B5EF4-FFF2-40B4-BE49-F238E27FC236}">
-                <a16:creationId xmlns:a16="http://schemas.microsoft.com/office/drawing/2014/main" id="{95195BAB-793B-2A53-2F2F-1FCD3DDE5A18}"/>
+                <a16:creationId xmlns:a16="http://schemas.microsoft.com/office/drawing/2014/main" id="{B63ACB15-A992-D6BE-2A56-7B7AF29FBA27}"/>
               </a:ext>
             </a:extLst>
           </p:cNvPr>
@@ -5963,48 +5983,92 @@
           <a:bodyPr/>
           <a:lstStyle/>
           <a:p>
-            <a:pPr marL="685800" marR="0" indent="0" algn="just">
-              <a:lnSpc>
-                <a:spcPct val="115000"/>
-              </a:lnSpc>
-              <a:spcBef>
-                <a:spcPts val="0"/>
-              </a:spcBef>
-              <a:spcAft>
-                <a:spcPts val="0"/>
-              </a:spcAft>
-              <a:buNone/>
-              <a:tabLst>
-                <a:tab pos="971550" algn="l"/>
-              </a:tabLst>
+            <a:r>
+              <a:rPr lang="en-US" sz="2400" dirty="0"/>
+              <a:t>Software requirement</a:t>
+            </a:r>
+          </a:p>
+          <a:p>
+            <a:pPr marL="0" indent="0">
+              <a:buNone/>
             </a:pPr>
             <a:r>
-              <a:rPr lang="en-US" dirty="0">
-                <a:effectLst/>
-                <a:latin typeface="+mj-lt"/>
+              <a:rPr lang="en-US" sz="1800" dirty="0">
+                <a:latin typeface="Times New Roman" panose="02020603050405020304" pitchFamily="18" charset="0"/>
                 <a:ea typeface="Calibri" panose="020F0502020204030204" pitchFamily="34" charset="0"/>
                 <a:cs typeface="Times New Roman" panose="02020603050405020304" pitchFamily="18" charset="0"/>
               </a:rPr>
-              <a:t>The proposed system is operationally feasible because of the following reasons.</a:t>
-            </a:r>
-          </a:p>
-          <a:p>
-            <a:pPr marL="685800" marR="0" indent="0" algn="just">
-              <a:lnSpc>
-                <a:spcPct val="115000"/>
-              </a:lnSpc>
-              <a:spcBef>
-                <a:spcPts val="0"/>
-              </a:spcBef>
-              <a:spcAft>
-                <a:spcPts val="0"/>
-              </a:spcAft>
-              <a:buNone/>
-              <a:tabLst>
-                <a:tab pos="971550" algn="l"/>
-              </a:tabLst>
+              <a:t>	</a:t>
+            </a:r>
+            <a:r>
+              <a:rPr lang="en-US" dirty="0">
+                <a:effectLst/>
+                <a:ea typeface="Calibri" panose="020F0502020204030204" pitchFamily="34" charset="0"/>
+                <a:cs typeface="Times New Roman" panose="02020603050405020304" pitchFamily="18" charset="0"/>
+              </a:rPr>
+              <a:t>There are numerous of software used in the development of this system.</a:t>
+            </a:r>
+            <a:r>
+              <a:rPr lang="en-US" dirty="0">
+                <a:ea typeface="Calibri" panose="020F0502020204030204" pitchFamily="34" charset="0"/>
+                <a:cs typeface="Times New Roman" panose="02020603050405020304" pitchFamily="18" charset="0"/>
+              </a:rPr>
+              <a:t> </a:t>
+            </a:r>
+            <a:r>
+              <a:rPr lang="en-US" dirty="0">
+                <a:effectLst/>
+                <a:ea typeface="Calibri" panose="020F0502020204030204" pitchFamily="34" charset="0"/>
+                <a:cs typeface="Times New Roman" panose="02020603050405020304" pitchFamily="18" charset="0"/>
+              </a:rPr>
+              <a:t>Basic Software requirements necessary for the smooth functioning of this project are as follows:</a:t>
+            </a:r>
+          </a:p>
+          <a:p>
+            <a:pPr lvl="1">
+              <a:buFont typeface="Wingdings" panose="05000000000000000000" pitchFamily="2" charset="2"/>
+              <a:buChar char="ü"/>
             </a:pPr>
-            <a:endParaRPr lang="en-US" sz="2400" dirty="0">
+            <a:r>
+              <a:rPr lang="en-US" dirty="0">
+                <a:ea typeface="Calibri" panose="020F0502020204030204" pitchFamily="34" charset="0"/>
+                <a:cs typeface="Times New Roman" panose="02020603050405020304" pitchFamily="18" charset="0"/>
+              </a:rPr>
+              <a:t>Operating system: Any (Windows, Linux, MacOS)</a:t>
+            </a:r>
+          </a:p>
+          <a:p>
+            <a:pPr lvl="1">
+              <a:buFont typeface="Wingdings" panose="05000000000000000000" pitchFamily="2" charset="2"/>
+              <a:buChar char="ü"/>
+            </a:pPr>
+            <a:r>
+              <a:rPr lang="en-US" dirty="0">
+                <a:effectLst/>
+                <a:ea typeface="Calibri" panose="020F0502020204030204" pitchFamily="34" charset="0"/>
+                <a:cs typeface="Times New Roman" panose="02020603050405020304" pitchFamily="18" charset="0"/>
+              </a:rPr>
+              <a:t>Text Editor</a:t>
+            </a:r>
+          </a:p>
+          <a:p>
+            <a:pPr lvl="1">
+              <a:buFont typeface="Wingdings" panose="05000000000000000000" pitchFamily="2" charset="2"/>
+              <a:buChar char="ü"/>
+            </a:pPr>
+            <a:r>
+              <a:rPr lang="en-US" dirty="0">
+                <a:ea typeface="Calibri" panose="020F0502020204030204" pitchFamily="34" charset="0"/>
+                <a:cs typeface="Times New Roman" panose="02020603050405020304" pitchFamily="18" charset="0"/>
+              </a:rPr>
+              <a:t>Web Browser: Any</a:t>
+            </a:r>
+          </a:p>
+          <a:p>
+            <a:pPr marL="457200" lvl="1" indent="0">
+              <a:buNone/>
+            </a:pPr>
+            <a:endParaRPr lang="en-US" sz="1600" dirty="0">
               <a:effectLst/>
               <a:latin typeface="Calibri" panose="020F0502020204030204" pitchFamily="34" charset="0"/>
               <a:ea typeface="Calibri" panose="020F0502020204030204" pitchFamily="34" charset="0"/>
@@ -6012,98 +6076,12 @@
             </a:endParaRPr>
           </a:p>
           <a:p>
-            <a:pPr marL="800100" lvl="1" indent="-342900" algn="just">
-              <a:lnSpc>
-                <a:spcPct val="115000"/>
-              </a:lnSpc>
-              <a:spcBef>
-                <a:spcPts val="0"/>
-              </a:spcBef>
-              <a:buFont typeface="Symbol" panose="05050102010706020507" pitchFamily="18" charset="2"/>
-              <a:buChar char=""/>
-              <a:tabLst>
-                <a:tab pos="971550" algn="l"/>
-              </a:tabLst>
+            <a:endParaRPr lang="en-US" sz="2200" dirty="0"/>
+          </a:p>
+          <a:p>
+            <a:pPr marL="0" indent="0">
+              <a:buNone/>
             </a:pPr>
-            <a:r>
-              <a:rPr lang="en-US" dirty="0">
-                <a:effectLst/>
-                <a:ea typeface="Calibri" panose="020F0502020204030204" pitchFamily="34" charset="0"/>
-                <a:cs typeface="Times New Roman" panose="02020603050405020304" pitchFamily="18" charset="0"/>
-              </a:rPr>
-              <a:t>Users can meet their expectations in a shorter time</a:t>
-            </a:r>
-          </a:p>
-          <a:p>
-            <a:pPr marL="800100" lvl="1" indent="-342900" algn="just">
-              <a:lnSpc>
-                <a:spcPct val="115000"/>
-              </a:lnSpc>
-              <a:spcBef>
-                <a:spcPts val="0"/>
-              </a:spcBef>
-              <a:buFont typeface="Symbol" panose="05050102010706020507" pitchFamily="18" charset="2"/>
-              <a:buChar char=""/>
-              <a:tabLst>
-                <a:tab pos="971550" algn="l"/>
-              </a:tabLst>
-            </a:pPr>
-            <a:r>
-              <a:rPr lang="en-US" dirty="0">
-                <a:effectLst/>
-                <a:ea typeface="Calibri" panose="020F0502020204030204" pitchFamily="34" charset="0"/>
-                <a:cs typeface="Times New Roman" panose="02020603050405020304" pitchFamily="18" charset="0"/>
-              </a:rPr>
-              <a:t>The restaurant is located in an area that is easily accessible to customers and suppliers</a:t>
-            </a:r>
-          </a:p>
-          <a:p>
-            <a:pPr marL="800100" lvl="1" indent="-342900" algn="just">
-              <a:lnSpc>
-                <a:spcPct val="115000"/>
-              </a:lnSpc>
-              <a:spcBef>
-                <a:spcPts val="0"/>
-              </a:spcBef>
-              <a:buFont typeface="Symbol" panose="05050102010706020507" pitchFamily="18" charset="2"/>
-              <a:buChar char=""/>
-              <a:tabLst>
-                <a:tab pos="971550" algn="l"/>
-              </a:tabLst>
-            </a:pPr>
-            <a:r>
-              <a:rPr lang="en-US" dirty="0">
-                <a:effectLst/>
-                <a:ea typeface="Calibri" panose="020F0502020204030204" pitchFamily="34" charset="0"/>
-                <a:cs typeface="Times New Roman" panose="02020603050405020304" pitchFamily="18" charset="0"/>
-              </a:rPr>
-              <a:t>Proper  parking facility</a:t>
-            </a:r>
-          </a:p>
-          <a:p>
-            <a:pPr marL="800100" lvl="1" indent="-342900" algn="just">
-              <a:lnSpc>
-                <a:spcPct val="115000"/>
-              </a:lnSpc>
-              <a:spcBef>
-                <a:spcPts val="0"/>
-              </a:spcBef>
-              <a:buFont typeface="Symbol" panose="05050102010706020507" pitchFamily="18" charset="2"/>
-              <a:buChar char=""/>
-              <a:tabLst>
-                <a:tab pos="971550" algn="l"/>
-              </a:tabLst>
-            </a:pPr>
-            <a:r>
-              <a:rPr lang="en-US" dirty="0">
-                <a:effectLst/>
-                <a:ea typeface="Calibri" panose="020F0502020204030204" pitchFamily="34" charset="0"/>
-                <a:cs typeface="Times New Roman" panose="02020603050405020304" pitchFamily="18" charset="0"/>
-              </a:rPr>
-              <a:t>The staff are properly trained and experienced in food service</a:t>
-            </a:r>
-          </a:p>
-          <a:p>
             <a:endParaRPr lang="en-US" dirty="0"/>
           </a:p>
         </p:txBody>
@@ -6111,7 +6089,7 @@
     </p:spTree>
     <p:extLst>
       <p:ext uri="{BB962C8B-B14F-4D97-AF65-F5344CB8AC3E}">
-        <p14:creationId xmlns:p14="http://schemas.microsoft.com/office/powerpoint/2010/main" val="2045207943"/>
+        <p14:creationId xmlns:p14="http://schemas.microsoft.com/office/powerpoint/2010/main" val="144741933"/>
       </p:ext>
     </p:extLst>
   </p:cSld>
@@ -6143,7 +6121,7 @@
           <p:cNvPr id="2" name="Title 1">
             <a:extLst>
               <a:ext uri="{FF2B5EF4-FFF2-40B4-BE49-F238E27FC236}">
-                <a16:creationId xmlns:a16="http://schemas.microsoft.com/office/drawing/2014/main" id="{A71A05B9-3751-B5CE-0817-FC2BBEA1F5DD}"/>
+                <a16:creationId xmlns:a16="http://schemas.microsoft.com/office/drawing/2014/main" id="{C22765E1-D8D5-F7C0-1AD4-4B8E17A3C7B9}"/>
               </a:ext>
             </a:extLst>
           </p:cNvPr>
@@ -6161,47 +6139,116 @@
           <a:p>
             <a:r>
               <a:rPr lang="en-US" dirty="0"/>
-              <a:t>Use case design</a:t>
-            </a:r>
-          </a:p>
-        </p:txBody>
-      </p:sp>
-      <p:pic>
-        <p:nvPicPr>
-          <p:cNvPr id="4" name="Content Placeholder 3">
+              <a:t>implementation</a:t>
+            </a:r>
+          </a:p>
+        </p:txBody>
+      </p:sp>
+      <p:sp>
+        <p:nvSpPr>
+          <p:cNvPr id="3" name="Content Placeholder 2">
             <a:extLst>
               <a:ext uri="{FF2B5EF4-FFF2-40B4-BE49-F238E27FC236}">
-                <a16:creationId xmlns:a16="http://schemas.microsoft.com/office/drawing/2014/main" id="{99CBDB8B-3C20-B7FA-9928-36864F08AB6B}"/>
+                <a16:creationId xmlns:a16="http://schemas.microsoft.com/office/drawing/2014/main" id="{2EF393D1-C489-4AB8-8D15-C82D3168D54C}"/>
               </a:ext>
             </a:extLst>
           </p:cNvPr>
-          <p:cNvPicPr>
-            <a:picLocks noGrp="1" noChangeAspect="1"/>
-          </p:cNvPicPr>
+          <p:cNvSpPr>
+            <a:spLocks noGrp="1"/>
+          </p:cNvSpPr>
           <p:nvPr>
             <p:ph idx="1"/>
           </p:nvPr>
-        </p:nvPicPr>
-        <p:blipFill>
-          <a:blip r:embed="rId2"/>
-          <a:stretch>
-            <a:fillRect/>
-          </a:stretch>
-        </p:blipFill>
-        <p:spPr>
-          <a:xfrm>
-            <a:off x="4758519" y="2016125"/>
-            <a:ext cx="2989287" cy="3449638"/>
-          </a:xfrm>
-          <a:prstGeom prst="rect">
-            <a:avLst/>
-          </a:prstGeom>
-        </p:spPr>
-      </p:pic>
+        </p:nvSpPr>
+        <p:spPr/>
+        <p:txBody>
+          <a:bodyPr>
+            <a:normAutofit/>
+          </a:bodyPr>
+          <a:lstStyle/>
+          <a:p>
+            <a:r>
+              <a:rPr lang="en-US" sz="2400" dirty="0"/>
+              <a:t>Tools and Technique</a:t>
+            </a:r>
+          </a:p>
+          <a:p>
+            <a:pPr marL="457200" lvl="1" indent="0">
+              <a:buNone/>
+            </a:pPr>
+            <a:r>
+              <a:rPr lang="en-US" sz="2200" dirty="0"/>
+              <a:t>The framework and language to be used for the project :</a:t>
+            </a:r>
+          </a:p>
+          <a:p>
+            <a:pPr lvl="1">
+              <a:buFont typeface="Wingdings" panose="05000000000000000000" pitchFamily="2" charset="2"/>
+              <a:buChar char="ü"/>
+            </a:pPr>
+            <a:r>
+              <a:rPr lang="en-US" sz="2200" dirty="0"/>
+              <a:t>Fronted</a:t>
+            </a:r>
+          </a:p>
+          <a:p>
+            <a:pPr marL="914400" lvl="2" indent="0">
+              <a:buNone/>
+            </a:pPr>
+            <a:r>
+              <a:rPr lang="en-US" sz="2000" b="1" dirty="0"/>
+              <a:t>HTML, CSS, Java Script</a:t>
+            </a:r>
+          </a:p>
+          <a:p>
+            <a:pPr lvl="1">
+              <a:buFont typeface="Wingdings" panose="05000000000000000000" pitchFamily="2" charset="2"/>
+              <a:buChar char="ü"/>
+            </a:pPr>
+            <a:r>
+              <a:rPr lang="en-US" sz="2200" dirty="0"/>
+              <a:t>Backend</a:t>
+            </a:r>
+          </a:p>
+          <a:p>
+            <a:pPr marL="457200" lvl="1" indent="0">
+              <a:buNone/>
+            </a:pPr>
+            <a:r>
+              <a:rPr lang="en-US" sz="2200" dirty="0"/>
+              <a:t>	Framework -</a:t>
+            </a:r>
+            <a:r>
+              <a:rPr lang="en-US" sz="2200" b="1" dirty="0"/>
+              <a:t>Django</a:t>
+            </a:r>
+          </a:p>
+          <a:p>
+            <a:pPr marL="457200" lvl="1" indent="0">
+              <a:buNone/>
+            </a:pPr>
+            <a:r>
+              <a:rPr lang="en-US" sz="2200" dirty="0"/>
+              <a:t>	Database -</a:t>
+            </a:r>
+            <a:r>
+              <a:rPr lang="en-US" sz="2200" b="1" dirty="0"/>
+              <a:t>SQLite</a:t>
+            </a:r>
+          </a:p>
+          <a:p>
+            <a:pPr lvl="1">
+              <a:buFont typeface="Wingdings" panose="05000000000000000000" pitchFamily="2" charset="2"/>
+              <a:buChar char="ü"/>
+            </a:pPr>
+            <a:endParaRPr lang="en-US" sz="2200" dirty="0"/>
+          </a:p>
+        </p:txBody>
+      </p:sp>
     </p:spTree>
     <p:extLst>
       <p:ext uri="{BB962C8B-B14F-4D97-AF65-F5344CB8AC3E}">
-        <p14:creationId xmlns:p14="http://schemas.microsoft.com/office/powerpoint/2010/main" val="4216295897"/>
+        <p14:creationId xmlns:p14="http://schemas.microsoft.com/office/powerpoint/2010/main" val="1262452891"/>
       </p:ext>
     </p:extLst>
   </p:cSld>
